--- a/assets/images/images.pptx
+++ b/assets/images/images.pptx
@@ -6,13 +6,14 @@
     <p:sldMasterId id="2147483672" r:id="rId2"/>
   </p:sldMasterIdLst>
   <p:notesMasterIdLst>
-    <p:notesMasterId r:id="rId7"/>
+    <p:notesMasterId r:id="rId8"/>
   </p:notesMasterIdLst>
   <p:sldIdLst>
     <p:sldId id="257" r:id="rId3"/>
     <p:sldId id="258" r:id="rId4"/>
     <p:sldId id="259" r:id="rId5"/>
-    <p:sldId id="261" r:id="rId6"/>
+    <p:sldId id="262" r:id="rId6"/>
+    <p:sldId id="261" r:id="rId7"/>
   </p:sldIdLst>
   <p:sldSz cx="12192000" cy="6858000"/>
   <p:notesSz cx="6858000" cy="9144000"/>
@@ -201,7 +202,7 @@
           <a:p>
             <a:fld id="{24428470-972C-48C7-BA64-37D1ACD36681}" type="datetimeFigureOut">
               <a:rPr lang="pt-BR" smtClean="0"/>
-              <a:t>08/06/2023</a:t>
+              <a:t>09/06/2023</a:t>
             </a:fld>
             <a:endParaRPr lang="pt-BR"/>
           </a:p>
@@ -1900,6 +1901,370 @@
           <a:p>
             <a:r>
               <a:rPr b="1" dirty="0"/>
+              <a:t>shape</a:t>
+            </a:r>
+            <a:endParaRPr dirty="0"/>
+          </a:p>
+          <a:p>
+            <a:r>
+              <a:rPr b="0" dirty="0"/>
+              <a:t>No alt text provided</a:t>
+            </a:r>
+            <a:endParaRPr dirty="0"/>
+          </a:p>
+          <a:p>
+            <a:endParaRPr dirty="0"/>
+          </a:p>
+          <a:p>
+            <a:r>
+              <a:rPr b="1" dirty="0"/>
+              <a:t>actionButton</a:t>
+            </a:r>
+            <a:endParaRPr dirty="0"/>
+          </a:p>
+          <a:p>
+            <a:r>
+              <a:rPr b="0" dirty="0"/>
+              <a:t>No alt text provided</a:t>
+            </a:r>
+            <a:endParaRPr dirty="0"/>
+          </a:p>
+          <a:p>
+            <a:endParaRPr dirty="0"/>
+          </a:p>
+          <a:p>
+            <a:r>
+              <a:rPr b="1" dirty="0"/>
+              <a:t>Recebidas</a:t>
+            </a:r>
+            <a:endParaRPr dirty="0"/>
+          </a:p>
+          <a:p>
+            <a:r>
+              <a:rPr b="0" dirty="0"/>
+              <a:t>No alt text provided</a:t>
+            </a:r>
+            <a:endParaRPr dirty="0"/>
+          </a:p>
+          <a:p>
+            <a:endParaRPr dirty="0"/>
+          </a:p>
+          <a:p>
+            <a:r>
+              <a:rPr b="1" dirty="0"/>
+              <a:t>Válidas</a:t>
+            </a:r>
+            <a:endParaRPr dirty="0"/>
+          </a:p>
+          <a:p>
+            <a:r>
+              <a:rPr b="0" dirty="0"/>
+              <a:t>No alt text provided</a:t>
+            </a:r>
+            <a:endParaRPr dirty="0"/>
+          </a:p>
+          <a:p>
+            <a:endParaRPr dirty="0"/>
+          </a:p>
+          <a:p>
+            <a:r>
+              <a:rPr b="1" dirty="0"/>
+              <a:t>Retidas</a:t>
+            </a:r>
+            <a:endParaRPr dirty="0"/>
+          </a:p>
+          <a:p>
+            <a:r>
+              <a:rPr b="0" dirty="0"/>
+              <a:t>No alt text provided</a:t>
+            </a:r>
+            <a:endParaRPr dirty="0"/>
+          </a:p>
+          <a:p>
+            <a:endParaRPr dirty="0"/>
+          </a:p>
+          <a:p>
+            <a:r>
+              <a:rPr b="1" dirty="0"/>
+              <a:t>Transferidas</a:t>
+            </a:r>
+            <a:endParaRPr dirty="0"/>
+          </a:p>
+          <a:p>
+            <a:r>
+              <a:rPr b="0" dirty="0"/>
+              <a:t>No alt text provided</a:t>
+            </a:r>
+            <a:endParaRPr dirty="0"/>
+          </a:p>
+          <a:p>
+            <a:endParaRPr dirty="0"/>
+          </a:p>
+          <a:p>
+            <a:r>
+              <a:rPr b="1" dirty="0"/>
+              <a:t>actionButton</a:t>
+            </a:r>
+            <a:endParaRPr dirty="0"/>
+          </a:p>
+          <a:p>
+            <a:r>
+              <a:rPr b="0" dirty="0"/>
+              <a:t>No alt text provided</a:t>
+            </a:r>
+            <a:endParaRPr dirty="0"/>
+          </a:p>
+          <a:p>
+            <a:endParaRPr dirty="0"/>
+          </a:p>
+          <a:p>
+            <a:r>
+              <a:rPr b="1" dirty="0"/>
+              <a:t>actionButton</a:t>
+            </a:r>
+            <a:endParaRPr dirty="0"/>
+          </a:p>
+          <a:p>
+            <a:r>
+              <a:rPr b="0" dirty="0"/>
+              <a:t>No alt text provided</a:t>
+            </a:r>
+            <a:endParaRPr dirty="0"/>
+          </a:p>
+          <a:p>
+            <a:endParaRPr dirty="0"/>
+          </a:p>
+          <a:p>
+            <a:r>
+              <a:rPr b="1" dirty="0"/>
+              <a:t>actionButton</a:t>
+            </a:r>
+            <a:endParaRPr dirty="0"/>
+          </a:p>
+          <a:p>
+            <a:r>
+              <a:rPr b="0" dirty="0"/>
+              <a:t>No alt text provided</a:t>
+            </a:r>
+            <a:endParaRPr dirty="0"/>
+          </a:p>
+          <a:p>
+            <a:endParaRPr dirty="0"/>
+          </a:p>
+          <a:p>
+            <a:r>
+              <a:rPr b="1" dirty="0"/>
+              <a:t>actionButton</a:t>
+            </a:r>
+            <a:endParaRPr dirty="0"/>
+          </a:p>
+          <a:p>
+            <a:r>
+              <a:rPr b="0" dirty="0"/>
+              <a:t>No alt text provided</a:t>
+            </a:r>
+            <a:endParaRPr dirty="0"/>
+          </a:p>
+          <a:p>
+            <a:endParaRPr dirty="0"/>
+          </a:p>
+          <a:p>
+            <a:r>
+              <a:rPr b="1" dirty="0"/>
+              <a:t>actionButton</a:t>
+            </a:r>
+            <a:endParaRPr dirty="0"/>
+          </a:p>
+          <a:p>
+            <a:r>
+              <a:rPr b="0" dirty="0"/>
+              <a:t>No alt text provided</a:t>
+            </a:r>
+            <a:endParaRPr dirty="0"/>
+          </a:p>
+          <a:p>
+            <a:endParaRPr dirty="0"/>
+          </a:p>
+          <a:p>
+            <a:r>
+              <a:rPr b="1" dirty="0"/>
+              <a:t>Contatos Válidos</a:t>
+            </a:r>
+            <a:endParaRPr dirty="0"/>
+          </a:p>
+          <a:p>
+            <a:r>
+              <a:rPr b="0" dirty="0"/>
+              <a:t>No alt text provided</a:t>
+            </a:r>
+            <a:endParaRPr dirty="0"/>
+          </a:p>
+          <a:p>
+            <a:endParaRPr dirty="0"/>
+          </a:p>
+          <a:p>
+            <a:r>
+              <a:rPr b="1" dirty="0"/>
+              <a:t>DATA</a:t>
+            </a:r>
+            <a:endParaRPr dirty="0"/>
+          </a:p>
+          <a:p>
+            <a:r>
+              <a:rPr b="0" dirty="0"/>
+              <a:t>No alt text provided</a:t>
+            </a:r>
+            <a:endParaRPr dirty="0"/>
+          </a:p>
+          <a:p>
+            <a:endParaRPr dirty="0"/>
+          </a:p>
+          <a:p>
+            <a:r>
+              <a:rPr b="1" dirty="0"/>
+              <a:t>actionButton</a:t>
+            </a:r>
+            <a:endParaRPr dirty="0"/>
+          </a:p>
+          <a:p>
+            <a:r>
+              <a:rPr b="0" dirty="0"/>
+              <a:t>No alt text provided</a:t>
+            </a:r>
+            <a:endParaRPr dirty="0"/>
+          </a:p>
+          <a:p>
+            <a:endParaRPr dirty="0"/>
+          </a:p>
+          <a:p>
+            <a:r>
+              <a:rPr b="1" dirty="0"/>
+              <a:t>NAVEGAR PARA:</a:t>
+            </a:r>
+            <a:endParaRPr dirty="0"/>
+          </a:p>
+          <a:p>
+            <a:r>
+              <a:rPr b="0" dirty="0"/>
+              <a:t>No alt text provided</a:t>
+            </a:r>
+            <a:endParaRPr dirty="0"/>
+          </a:p>
+          <a:p>
+            <a:endParaRPr dirty="0"/>
+          </a:p>
+          <a:p>
+            <a:r>
+              <a:rPr b="1" dirty="0"/>
+              <a:t>Volume de Acionamentos</a:t>
+            </a:r>
+            <a:endParaRPr dirty="0"/>
+          </a:p>
+          <a:p>
+            <a:r>
+              <a:rPr b="0" dirty="0"/>
+              <a:t>No alt text provided</a:t>
+            </a:r>
+            <a:endParaRPr dirty="0"/>
+          </a:p>
+          <a:p>
+            <a:endParaRPr dirty="0"/>
+          </a:p>
+          <a:p>
+            <a:r>
+              <a:rPr b="1" dirty="0"/>
+              <a:t>Motivo do Contato</a:t>
+            </a:r>
+            <a:endParaRPr dirty="0"/>
+          </a:p>
+          <a:p>
+            <a:r>
+              <a:rPr b="0" dirty="0"/>
+              <a:t>No alt text provided</a:t>
+            </a:r>
+            <a:endParaRPr dirty="0"/>
+          </a:p>
+          <a:p>
+            <a:endParaRPr dirty="0"/>
+          </a:p>
+          <a:p>
+            <a:r>
+              <a:rPr b="1" dirty="0"/>
+              <a:t>Retidas + Transferidas por Regra</a:t>
+            </a:r>
+            <a:endParaRPr dirty="0"/>
+          </a:p>
+          <a:p>
+            <a:r>
+              <a:rPr b="0" dirty="0"/>
+              <a:t>No alt text provided</a:t>
+            </a:r>
+            <a:endParaRPr dirty="0"/>
+          </a:p>
+          <a:p>
+            <a:endParaRPr dirty="0"/>
+          </a:p>
+          <a:p>
+            <a:r>
+              <a:rPr b="1" dirty="0"/>
+              <a:t>Válidas</a:t>
+            </a:r>
+            <a:endParaRPr dirty="0"/>
+          </a:p>
+          <a:p>
+            <a:r>
+              <a:rPr b="0" dirty="0"/>
+              <a:t>No alt text provided</a:t>
+            </a:r>
+            <a:endParaRPr dirty="0"/>
+          </a:p>
+          <a:p>
+            <a:endParaRPr dirty="0"/>
+          </a:p>
+        </p:txBody>
+      </p:sp>
+    </p:spTree>
+  </p:cSld>
+  <p:clrMapOvr>
+    <a:masterClrMapping/>
+  </p:clrMapOvr>
+</p:notes>
+</file>
+
+<file path=ppt/notesSlides/notesSlide5.xml><?xml version="1.0" encoding="utf-8"?>
+<p:notes xmlns:a="http://schemas.openxmlformats.org/drawingml/2006/main" xmlns:r="http://schemas.openxmlformats.org/officeDocument/2006/relationships" xmlns:p="http://schemas.openxmlformats.org/presentationml/2006/main">
+  <p:cSld>
+    <p:spTree>
+      <p:nvGrpSpPr>
+        <p:cNvPr id="1" name=""/>
+        <p:cNvGrpSpPr/>
+        <p:nvPr/>
+      </p:nvGrpSpPr>
+      <p:grpSpPr>
+        <a:xfrm>
+          <a:off x="0" y="0"/>
+          <a:ext cx="0" cy="0"/>
+          <a:chOff x="0" y="0"/>
+          <a:chExt cx="0" cy="0"/>
+        </a:xfrm>
+      </p:grpSpPr>
+      <p:sp>
+        <p:nvSpPr>
+          <p:cNvPr id="2" name="Slide Text"/>
+          <p:cNvSpPr>
+            <a:spLocks noGrp="1"/>
+          </p:cNvSpPr>
+          <p:nvPr>
+            <p:ph type="body" idx="1"/>
+          </p:nvPr>
+        </p:nvSpPr>
+        <p:spPr/>
+        <p:txBody>
+          <a:bodyPr/>
+          <a:lstStyle/>
+          <a:p>
+            <a:r>
+              <a:rPr b="1" dirty="0"/>
               <a:t>actionButton</a:t>
             </a:r>
             <a:endParaRPr dirty="0"/>
@@ -2682,7 +3047,7 @@
           <a:p>
             <a:fld id="{627ED9C8-F09A-4D9E-BEC0-4725162E21FF}" type="datetimeFigureOut">
               <a:rPr lang="en-US" smtClean="0"/>
-              <a:t>6/8/2023</a:t>
+              <a:t>6/9/2023</a:t>
             </a:fld>
             <a:endParaRPr lang="en-US"/>
           </a:p>
@@ -2850,7 +3215,7 @@
           <a:p>
             <a:fld id="{627ED9C8-F09A-4D9E-BEC0-4725162E21FF}" type="datetimeFigureOut">
               <a:rPr lang="en-US" smtClean="0"/>
-              <a:t>6/8/2023</a:t>
+              <a:t>6/9/2023</a:t>
             </a:fld>
             <a:endParaRPr lang="en-US"/>
           </a:p>
@@ -3028,7 +3393,7 @@
           <a:p>
             <a:fld id="{627ED9C8-F09A-4D9E-BEC0-4725162E21FF}" type="datetimeFigureOut">
               <a:rPr lang="en-US" smtClean="0"/>
-              <a:t>6/8/2023</a:t>
+              <a:t>6/9/2023</a:t>
             </a:fld>
             <a:endParaRPr lang="en-US"/>
           </a:p>
@@ -3274,7 +3639,7 @@
           <a:p>
             <a:fld id="{627ED9C8-F09A-4D9E-BEC0-4725162E21FF}" type="datetimeFigureOut">
               <a:rPr lang="en-US" smtClean="0"/>
-              <a:t>6/8/2023</a:t>
+              <a:t>6/9/2023</a:t>
             </a:fld>
             <a:endParaRPr lang="en-US"/>
           </a:p>
@@ -3444,7 +3809,7 @@
           <a:p>
             <a:fld id="{627ED9C8-F09A-4D9E-BEC0-4725162E21FF}" type="datetimeFigureOut">
               <a:rPr lang="en-US" smtClean="0"/>
-              <a:t>6/8/2023</a:t>
+              <a:t>6/9/2023</a:t>
             </a:fld>
             <a:endParaRPr lang="en-US"/>
           </a:p>
@@ -3688,7 +4053,7 @@
           <a:p>
             <a:fld id="{627ED9C8-F09A-4D9E-BEC0-4725162E21FF}" type="datetimeFigureOut">
               <a:rPr lang="en-US" smtClean="0"/>
-              <a:t>6/8/2023</a:t>
+              <a:t>6/9/2023</a:t>
             </a:fld>
             <a:endParaRPr lang="en-US"/>
           </a:p>
@@ -3924,7 +4289,7 @@
           <a:p>
             <a:fld id="{627ED9C8-F09A-4D9E-BEC0-4725162E21FF}" type="datetimeFigureOut">
               <a:rPr lang="en-US" smtClean="0"/>
-              <a:t>6/8/2023</a:t>
+              <a:t>6/9/2023</a:t>
             </a:fld>
             <a:endParaRPr lang="en-US"/>
           </a:p>
@@ -4390,7 +4755,7 @@
           <a:p>
             <a:fld id="{627ED9C8-F09A-4D9E-BEC0-4725162E21FF}" type="datetimeFigureOut">
               <a:rPr lang="en-US" smtClean="0"/>
-              <a:t>6/8/2023</a:t>
+              <a:t>6/9/2023</a:t>
             </a:fld>
             <a:endParaRPr lang="en-US"/>
           </a:p>
@@ -4508,7 +4873,7 @@
           <a:p>
             <a:fld id="{627ED9C8-F09A-4D9E-BEC0-4725162E21FF}" type="datetimeFigureOut">
               <a:rPr lang="en-US" smtClean="0"/>
-              <a:t>6/8/2023</a:t>
+              <a:t>6/9/2023</a:t>
             </a:fld>
             <a:endParaRPr lang="en-US"/>
           </a:p>
@@ -4603,7 +4968,7 @@
           <a:p>
             <a:fld id="{627ED9C8-F09A-4D9E-BEC0-4725162E21FF}" type="datetimeFigureOut">
               <a:rPr lang="en-US" smtClean="0"/>
-              <a:t>6/8/2023</a:t>
+              <a:t>6/9/2023</a:t>
             </a:fld>
             <a:endParaRPr lang="en-US"/>
           </a:p>
@@ -4858,7 +5223,7 @@
           <a:p>
             <a:fld id="{627ED9C8-F09A-4D9E-BEC0-4725162E21FF}" type="datetimeFigureOut">
               <a:rPr lang="en-US" smtClean="0"/>
-              <a:t>6/8/2023</a:t>
+              <a:t>6/9/2023</a:t>
             </a:fld>
             <a:endParaRPr lang="en-US"/>
           </a:p>
@@ -5026,7 +5391,7 @@
           <a:p>
             <a:fld id="{627ED9C8-F09A-4D9E-BEC0-4725162E21FF}" type="datetimeFigureOut">
               <a:rPr lang="en-US" smtClean="0"/>
-              <a:t>6/8/2023</a:t>
+              <a:t>6/9/2023</a:t>
             </a:fld>
             <a:endParaRPr lang="en-US"/>
           </a:p>
@@ -5326,7 +5691,7 @@
           <a:p>
             <a:fld id="{627ED9C8-F09A-4D9E-BEC0-4725162E21FF}" type="datetimeFigureOut">
               <a:rPr lang="en-US" smtClean="0"/>
-              <a:t>6/8/2023</a:t>
+              <a:t>6/9/2023</a:t>
             </a:fld>
             <a:endParaRPr lang="en-US"/>
           </a:p>
@@ -5624,7 +5989,7 @@
           <a:p>
             <a:fld id="{627ED9C8-F09A-4D9E-BEC0-4725162E21FF}" type="datetimeFigureOut">
               <a:rPr lang="en-US" smtClean="0"/>
-              <a:t>6/8/2023</a:t>
+              <a:t>6/9/2023</a:t>
             </a:fld>
             <a:endParaRPr lang="en-US"/>
           </a:p>
@@ -5816,7 +6181,7 @@
           <a:p>
             <a:fld id="{627ED9C8-F09A-4D9E-BEC0-4725162E21FF}" type="datetimeFigureOut">
               <a:rPr lang="en-US" smtClean="0"/>
-              <a:t>6/8/2023</a:t>
+              <a:t>6/9/2023</a:t>
             </a:fld>
             <a:endParaRPr lang="en-US"/>
           </a:p>
@@ -6077,7 +6442,7 @@
           <a:p>
             <a:fld id="{627ED9C8-F09A-4D9E-BEC0-4725162E21FF}" type="datetimeFigureOut">
               <a:rPr lang="en-US" smtClean="0"/>
-              <a:t>6/8/2023</a:t>
+              <a:t>6/9/2023</a:t>
             </a:fld>
             <a:endParaRPr lang="en-US"/>
           </a:p>
@@ -6501,7 +6866,7 @@
           <a:p>
             <a:fld id="{627ED9C8-F09A-4D9E-BEC0-4725162E21FF}" type="datetimeFigureOut">
               <a:rPr lang="en-US" smtClean="0"/>
-              <a:t>6/8/2023</a:t>
+              <a:t>6/9/2023</a:t>
             </a:fld>
             <a:endParaRPr lang="en-US"/>
           </a:p>
@@ -7038,7 +7403,7 @@
           <a:p>
             <a:fld id="{627ED9C8-F09A-4D9E-BEC0-4725162E21FF}" type="datetimeFigureOut">
               <a:rPr lang="en-US" smtClean="0"/>
-              <a:t>6/8/2023</a:t>
+              <a:t>6/9/2023</a:t>
             </a:fld>
             <a:endParaRPr lang="en-US"/>
           </a:p>
@@ -7902,7 +8267,7 @@
           <a:p>
             <a:fld id="{627ED9C8-F09A-4D9E-BEC0-4725162E21FF}" type="datetimeFigureOut">
               <a:rPr lang="en-US" smtClean="0"/>
-              <a:t>6/8/2023</a:t>
+              <a:t>6/9/2023</a:t>
             </a:fld>
             <a:endParaRPr lang="en-US"/>
           </a:p>
@@ -8072,7 +8437,7 @@
           <a:p>
             <a:fld id="{627ED9C8-F09A-4D9E-BEC0-4725162E21FF}" type="datetimeFigureOut">
               <a:rPr lang="en-US" smtClean="0"/>
-              <a:t>6/8/2023</a:t>
+              <a:t>6/9/2023</a:t>
             </a:fld>
             <a:endParaRPr lang="en-US"/>
           </a:p>
@@ -8256,7 +8621,7 @@
           <a:p>
             <a:fld id="{627ED9C8-F09A-4D9E-BEC0-4725162E21FF}" type="datetimeFigureOut">
               <a:rPr lang="en-US" smtClean="0"/>
-              <a:t>6/8/2023</a:t>
+              <a:t>6/9/2023</a:t>
             </a:fld>
             <a:endParaRPr lang="en-US"/>
           </a:p>
@@ -8501,7 +8866,7 @@
           <a:p>
             <a:fld id="{627ED9C8-F09A-4D9E-BEC0-4725162E21FF}" type="datetimeFigureOut">
               <a:rPr lang="en-US" smtClean="0"/>
-              <a:t>6/8/2023</a:t>
+              <a:t>6/9/2023</a:t>
             </a:fld>
             <a:endParaRPr lang="en-US"/>
           </a:p>
@@ -8730,7 +9095,7 @@
           <a:p>
             <a:fld id="{627ED9C8-F09A-4D9E-BEC0-4725162E21FF}" type="datetimeFigureOut">
               <a:rPr lang="en-US" smtClean="0"/>
-              <a:t>6/8/2023</a:t>
+              <a:t>6/9/2023</a:t>
             </a:fld>
             <a:endParaRPr lang="en-US"/>
           </a:p>
@@ -9094,7 +9459,7 @@
           <a:p>
             <a:fld id="{627ED9C8-F09A-4D9E-BEC0-4725162E21FF}" type="datetimeFigureOut">
               <a:rPr lang="en-US" smtClean="0"/>
-              <a:t>6/8/2023</a:t>
+              <a:t>6/9/2023</a:t>
             </a:fld>
             <a:endParaRPr lang="en-US"/>
           </a:p>
@@ -9211,7 +9576,7 @@
           <a:p>
             <a:fld id="{627ED9C8-F09A-4D9E-BEC0-4725162E21FF}" type="datetimeFigureOut">
               <a:rPr lang="en-US" smtClean="0"/>
-              <a:t>6/8/2023</a:t>
+              <a:t>6/9/2023</a:t>
             </a:fld>
             <a:endParaRPr lang="en-US"/>
           </a:p>
@@ -9306,7 +9671,7 @@
           <a:p>
             <a:fld id="{627ED9C8-F09A-4D9E-BEC0-4725162E21FF}" type="datetimeFigureOut">
               <a:rPr lang="en-US" smtClean="0"/>
-              <a:t>6/8/2023</a:t>
+              <a:t>6/9/2023</a:t>
             </a:fld>
             <a:endParaRPr lang="en-US"/>
           </a:p>
@@ -9581,7 +9946,7 @@
           <a:p>
             <a:fld id="{627ED9C8-F09A-4D9E-BEC0-4725162E21FF}" type="datetimeFigureOut">
               <a:rPr lang="en-US" smtClean="0"/>
-              <a:t>6/8/2023</a:t>
+              <a:t>6/9/2023</a:t>
             </a:fld>
             <a:endParaRPr lang="en-US"/>
           </a:p>
@@ -9833,7 +10198,7 @@
           <a:p>
             <a:fld id="{627ED9C8-F09A-4D9E-BEC0-4725162E21FF}" type="datetimeFigureOut">
               <a:rPr lang="en-US" smtClean="0"/>
-              <a:t>6/8/2023</a:t>
+              <a:t>6/9/2023</a:t>
             </a:fld>
             <a:endParaRPr lang="en-US"/>
           </a:p>
@@ -10044,7 +10409,7 @@
           <a:p>
             <a:fld id="{627ED9C8-F09A-4D9E-BEC0-4725162E21FF}" type="datetimeFigureOut">
               <a:rPr lang="en-US" smtClean="0"/>
-              <a:t>6/8/2023</a:t>
+              <a:t>6/9/2023</a:t>
             </a:fld>
             <a:endParaRPr lang="en-US"/>
           </a:p>
@@ -10605,7 +10970,7 @@
           <a:p>
             <a:fld id="{627ED9C8-F09A-4D9E-BEC0-4725162E21FF}" type="datetimeFigureOut">
               <a:rPr lang="en-US" smtClean="0"/>
-              <a:t>6/8/2023</a:t>
+              <a:t>6/9/2023</a:t>
             </a:fld>
             <a:endParaRPr lang="en-US"/>
           </a:p>
@@ -11299,8 +11664,10 @@
             <a:off x="804612" y="468498"/>
             <a:ext cx="10582776" cy="5921004"/>
           </a:xfrm>
-          <a:prstGeom prst="rect">
-            <a:avLst/>
+          <a:prstGeom prst="roundRect">
+            <a:avLst>
+              <a:gd name="adj" fmla="val 4838"/>
+            </a:avLst>
           </a:prstGeom>
           <a:noFill/>
         </p:spPr>
@@ -11371,8 +11738,10 @@
             <a:off x="2596039" y="81421"/>
             <a:ext cx="6999923" cy="6695158"/>
           </a:xfrm>
-          <a:prstGeom prst="rect">
-            <a:avLst/>
+          <a:prstGeom prst="roundRect">
+            <a:avLst>
+              <a:gd name="adj" fmla="val 3736"/>
+            </a:avLst>
           </a:prstGeom>
           <a:noFill/>
         </p:spPr>
@@ -11443,8 +11812,10 @@
             <a:off x="804000" y="503040"/>
             <a:ext cx="10584000" cy="5851921"/>
           </a:xfrm>
-          <a:prstGeom prst="rect">
-            <a:avLst/>
+          <a:prstGeom prst="roundRect">
+            <a:avLst>
+              <a:gd name="adj" fmla="val 4200"/>
+            </a:avLst>
           </a:prstGeom>
           <a:noFill/>
         </p:spPr>
@@ -11479,6 +11850,80 @@
 </file>
 
 <file path=ppt/slides/slide4.xml><?xml version="1.0" encoding="utf-8"?>
+<p:sld xmlns:a="http://schemas.openxmlformats.org/drawingml/2006/main" xmlns:r="http://schemas.openxmlformats.org/officeDocument/2006/relationships" xmlns:p="http://schemas.openxmlformats.org/presentationml/2006/main">
+  <p:cSld>
+    <p:spTree>
+      <p:nvGrpSpPr>
+        <p:cNvPr id="1" name=""/>
+        <p:cNvGrpSpPr/>
+        <p:nvPr/>
+      </p:nvGrpSpPr>
+      <p:grpSpPr>
+        <a:xfrm>
+          <a:off x="0" y="0"/>
+          <a:ext cx="0" cy="0"/>
+          <a:chOff x="0" y="0"/>
+          <a:chExt cx="0" cy="0"/>
+        </a:xfrm>
+      </p:grpSpPr>
+      <p:pic>
+        <p:nvPicPr>
+          <p:cNvPr id="3" name="Picture" title="This slide contains the following visuals: shape ,actionButton ,Recebidas ,Válidas ,Retidas ,Transferidas ,actionButton ,actionButton ,actionButton ,actionButton ,actionButton ,Contatos Válidos ,DATA ,actionButton ,NAVEGAR PARA: ,Volume de Acionamentos ,Motivo do Contato ,Retidas + Transferidas por Regra ,Válidas. Please refer to the notes on this slide for details">
+            <a:hlinkClick r:id="rId3"/>
+          </p:cNvPr>
+          <p:cNvPicPr>
+            <a:picLocks noChangeAspect="1"/>
+          </p:cNvPicPr>
+          <p:nvPr/>
+        </p:nvPicPr>
+        <p:blipFill rotWithShape="1">
+          <a:blip r:embed="rId4"/>
+          <a:srcRect t="1417" b="1277"/>
+          <a:stretch/>
+        </p:blipFill>
+        <p:spPr>
+          <a:xfrm>
+            <a:off x="804000" y="491161"/>
+            <a:ext cx="10584000" cy="5875678"/>
+          </a:xfrm>
+          <a:prstGeom prst="roundRect">
+            <a:avLst>
+              <a:gd name="adj" fmla="val 3846"/>
+            </a:avLst>
+          </a:prstGeom>
+          <a:noFill/>
+        </p:spPr>
+      </p:pic>
+      <p:sp>
+        <p:nvSpPr>
+          <p:cNvPr id="4" name="Title" hidden="1"/>
+          <p:cNvSpPr>
+            <a:spLocks noGrp="1"/>
+          </p:cNvSpPr>
+          <p:nvPr>
+            <p:ph type="title"/>
+          </p:nvPr>
+        </p:nvSpPr>
+        <p:spPr/>
+        <p:txBody>
+          <a:bodyPr/>
+          <a:lstStyle/>
+          <a:p>
+            <a:r>
+              <a:t>Início</a:t>
+            </a:r>
+          </a:p>
+        </p:txBody>
+      </p:sp>
+    </p:spTree>
+  </p:cSld>
+  <p:clrMapOvr>
+    <a:masterClrMapping/>
+  </p:clrMapOvr>
+</p:sld>
+</file>
+
+<file path=ppt/slides/slide5.xml><?xml version="1.0" encoding="utf-8"?>
 <p:sld xmlns:a="http://schemas.openxmlformats.org/drawingml/2006/main" xmlns:r="http://schemas.openxmlformats.org/officeDocument/2006/relationships" xmlns:p="http://schemas.openxmlformats.org/presentationml/2006/main">
   <p:cSld>
     <p:spTree>
@@ -11515,8 +11960,10 @@
             <a:off x="804000" y="462354"/>
             <a:ext cx="10584000" cy="5933293"/>
           </a:xfrm>
-          <a:prstGeom prst="rect">
-            <a:avLst/>
+          <a:prstGeom prst="roundRect">
+            <a:avLst>
+              <a:gd name="adj" fmla="val 4534"/>
+            </a:avLst>
           </a:prstGeom>
           <a:noFill/>
         </p:spPr>

--- a/assets/images/images.pptx
+++ b/assets/images/images.pptx
@@ -6,7 +6,7 @@
     <p:sldMasterId id="2147483672" r:id="rId2"/>
   </p:sldMasterIdLst>
   <p:notesMasterIdLst>
-    <p:notesMasterId r:id="rId8"/>
+    <p:notesMasterId r:id="rId10"/>
   </p:notesMasterIdLst>
   <p:sldIdLst>
     <p:sldId id="257" r:id="rId3"/>
@@ -14,6 +14,8 @@
     <p:sldId id="259" r:id="rId5"/>
     <p:sldId id="262" r:id="rId6"/>
     <p:sldId id="261" r:id="rId7"/>
+    <p:sldId id="263" r:id="rId8"/>
+    <p:sldId id="264" r:id="rId9"/>
   </p:sldIdLst>
   <p:sldSz cx="12192000" cy="6858000"/>
   <p:notesSz cx="6858000" cy="9144000"/>
@@ -2911,6 +2913,174 @@
         </p:txBody>
       </p:sp>
     </p:spTree>
+  </p:cSld>
+  <p:clrMapOvr>
+    <a:masterClrMapping/>
+  </p:clrMapOvr>
+</p:notes>
+</file>
+
+<file path=ppt/notesSlides/notesSlide6.xml><?xml version="1.0" encoding="utf-8"?>
+<p:notes xmlns:a="http://schemas.openxmlformats.org/drawingml/2006/main" xmlns:r="http://schemas.openxmlformats.org/officeDocument/2006/relationships" xmlns:p="http://schemas.openxmlformats.org/presentationml/2006/main">
+  <p:cSld>
+    <p:spTree>
+      <p:nvGrpSpPr>
+        <p:cNvPr id="1" name=""/>
+        <p:cNvGrpSpPr/>
+        <p:nvPr/>
+      </p:nvGrpSpPr>
+      <p:grpSpPr>
+        <a:xfrm>
+          <a:off x="0" y="0"/>
+          <a:ext cx="0" cy="0"/>
+          <a:chOff x="0" y="0"/>
+          <a:chExt cx="0" cy="0"/>
+        </a:xfrm>
+      </p:grpSpPr>
+      <p:sp>
+        <p:nvSpPr>
+          <p:cNvPr id="2" name="Espaço Reservado para Imagem de Slide 1"/>
+          <p:cNvSpPr>
+            <a:spLocks noGrp="1" noRot="1" noChangeAspect="1"/>
+          </p:cNvSpPr>
+          <p:nvPr>
+            <p:ph type="sldImg"/>
+          </p:nvPr>
+        </p:nvSpPr>
+        <p:spPr/>
+      </p:sp>
+      <p:sp>
+        <p:nvSpPr>
+          <p:cNvPr id="3" name="Espaço Reservado para Anotações 2"/>
+          <p:cNvSpPr>
+            <a:spLocks noGrp="1"/>
+          </p:cNvSpPr>
+          <p:nvPr>
+            <p:ph type="body" idx="1"/>
+          </p:nvPr>
+        </p:nvSpPr>
+        <p:spPr/>
+        <p:txBody>
+          <a:bodyPr/>
+          <a:lstStyle/>
+          <a:p>
+            <a:endParaRPr lang="pt-BR" dirty="0"/>
+          </a:p>
+        </p:txBody>
+      </p:sp>
+      <p:sp>
+        <p:nvSpPr>
+          <p:cNvPr id="4" name="Espaço Reservado para Número de Slide 3"/>
+          <p:cNvSpPr>
+            <a:spLocks noGrp="1"/>
+          </p:cNvSpPr>
+          <p:nvPr>
+            <p:ph type="sldNum" sz="quarter" idx="5"/>
+          </p:nvPr>
+        </p:nvSpPr>
+        <p:spPr/>
+        <p:txBody>
+          <a:bodyPr/>
+          <a:lstStyle/>
+          <a:p>
+            <a:fld id="{7EF65BC1-D6C2-4399-B91D-B87F49850521}" type="slidenum">
+              <a:rPr lang="pt-BR" smtClean="0"/>
+              <a:t>6</a:t>
+            </a:fld>
+            <a:endParaRPr lang="pt-BR"/>
+          </a:p>
+        </p:txBody>
+      </p:sp>
+    </p:spTree>
+    <p:extLst>
+      <p:ext uri="{BB962C8B-B14F-4D97-AF65-F5344CB8AC3E}">
+        <p14:creationId xmlns:p14="http://schemas.microsoft.com/office/powerpoint/2010/main" val="3428361864"/>
+      </p:ext>
+    </p:extLst>
+  </p:cSld>
+  <p:clrMapOvr>
+    <a:masterClrMapping/>
+  </p:clrMapOvr>
+</p:notes>
+</file>
+
+<file path=ppt/notesSlides/notesSlide7.xml><?xml version="1.0" encoding="utf-8"?>
+<p:notes xmlns:a="http://schemas.openxmlformats.org/drawingml/2006/main" xmlns:r="http://schemas.openxmlformats.org/officeDocument/2006/relationships" xmlns:p="http://schemas.openxmlformats.org/presentationml/2006/main">
+  <p:cSld>
+    <p:spTree>
+      <p:nvGrpSpPr>
+        <p:cNvPr id="1" name=""/>
+        <p:cNvGrpSpPr/>
+        <p:nvPr/>
+      </p:nvGrpSpPr>
+      <p:grpSpPr>
+        <a:xfrm>
+          <a:off x="0" y="0"/>
+          <a:ext cx="0" cy="0"/>
+          <a:chOff x="0" y="0"/>
+          <a:chExt cx="0" cy="0"/>
+        </a:xfrm>
+      </p:grpSpPr>
+      <p:sp>
+        <p:nvSpPr>
+          <p:cNvPr id="2" name="Espaço Reservado para Imagem de Slide 1"/>
+          <p:cNvSpPr>
+            <a:spLocks noGrp="1" noRot="1" noChangeAspect="1"/>
+          </p:cNvSpPr>
+          <p:nvPr>
+            <p:ph type="sldImg"/>
+          </p:nvPr>
+        </p:nvSpPr>
+        <p:spPr/>
+      </p:sp>
+      <p:sp>
+        <p:nvSpPr>
+          <p:cNvPr id="3" name="Espaço Reservado para Anotações 2"/>
+          <p:cNvSpPr>
+            <a:spLocks noGrp="1"/>
+          </p:cNvSpPr>
+          <p:nvPr>
+            <p:ph type="body" idx="1"/>
+          </p:nvPr>
+        </p:nvSpPr>
+        <p:spPr/>
+        <p:txBody>
+          <a:bodyPr/>
+          <a:lstStyle/>
+          <a:p>
+            <a:endParaRPr lang="pt-BR" dirty="0"/>
+          </a:p>
+        </p:txBody>
+      </p:sp>
+      <p:sp>
+        <p:nvSpPr>
+          <p:cNvPr id="4" name="Espaço Reservado para Número de Slide 3"/>
+          <p:cNvSpPr>
+            <a:spLocks noGrp="1"/>
+          </p:cNvSpPr>
+          <p:nvPr>
+            <p:ph type="sldNum" sz="quarter" idx="5"/>
+          </p:nvPr>
+        </p:nvSpPr>
+        <p:spPr/>
+        <p:txBody>
+          <a:bodyPr/>
+          <a:lstStyle/>
+          <a:p>
+            <a:fld id="{7EF65BC1-D6C2-4399-B91D-B87F49850521}" type="slidenum">
+              <a:rPr lang="pt-BR" smtClean="0"/>
+              <a:t>7</a:t>
+            </a:fld>
+            <a:endParaRPr lang="pt-BR"/>
+          </a:p>
+        </p:txBody>
+      </p:sp>
+    </p:spTree>
+    <p:extLst>
+      <p:ext uri="{BB962C8B-B14F-4D97-AF65-F5344CB8AC3E}">
+        <p14:creationId xmlns:p14="http://schemas.microsoft.com/office/powerpoint/2010/main" val="3165392868"/>
+      </p:ext>
+    </p:extLst>
   </p:cSld>
   <p:clrMapOvr>
     <a:masterClrMapping/>
@@ -11990,6 +12160,128 @@
         </p:txBody>
       </p:sp>
     </p:spTree>
+  </p:cSld>
+  <p:clrMapOvr>
+    <a:masterClrMapping/>
+  </p:clrMapOvr>
+</p:sld>
+</file>
+
+<file path=ppt/slides/slide6.xml><?xml version="1.0" encoding="utf-8"?>
+<p:sld xmlns:a="http://schemas.openxmlformats.org/drawingml/2006/main" xmlns:r="http://schemas.openxmlformats.org/officeDocument/2006/relationships" xmlns:p="http://schemas.openxmlformats.org/presentationml/2006/main">
+  <p:cSld>
+    <p:spTree>
+      <p:nvGrpSpPr>
+        <p:cNvPr id="1" name=""/>
+        <p:cNvGrpSpPr/>
+        <p:nvPr/>
+      </p:nvGrpSpPr>
+      <p:grpSpPr>
+        <a:xfrm>
+          <a:off x="0" y="0"/>
+          <a:ext cx="0" cy="0"/>
+          <a:chOff x="0" y="0"/>
+          <a:chExt cx="0" cy="0"/>
+        </a:xfrm>
+      </p:grpSpPr>
+      <p:pic>
+        <p:nvPicPr>
+          <p:cNvPr id="6" name="Imagem 5">
+            <a:extLst>
+              <a:ext uri="{FF2B5EF4-FFF2-40B4-BE49-F238E27FC236}">
+                <a16:creationId xmlns:a16="http://schemas.microsoft.com/office/drawing/2014/main" id="{1C1AAE4E-28F5-9763-3330-143E52C3D309}"/>
+              </a:ext>
+            </a:extLst>
+          </p:cNvPr>
+          <p:cNvPicPr>
+            <a:picLocks noChangeAspect="1"/>
+          </p:cNvPicPr>
+          <p:nvPr/>
+        </p:nvPicPr>
+        <p:blipFill rotWithShape="1">
+          <a:blip r:embed="rId3"/>
+          <a:srcRect l="509" t="833" r="509" b="624"/>
+          <a:stretch/>
+        </p:blipFill>
+        <p:spPr>
+          <a:xfrm>
+            <a:off x="3693318" y="57150"/>
+            <a:ext cx="4805363" cy="6757988"/>
+          </a:xfrm>
+          <a:prstGeom prst="roundRect">
+            <a:avLst>
+              <a:gd name="adj" fmla="val 4933"/>
+            </a:avLst>
+          </a:prstGeom>
+        </p:spPr>
+      </p:pic>
+    </p:spTree>
+    <p:extLst>
+      <p:ext uri="{BB962C8B-B14F-4D97-AF65-F5344CB8AC3E}">
+        <p14:creationId xmlns:p14="http://schemas.microsoft.com/office/powerpoint/2010/main" val="2799378748"/>
+      </p:ext>
+    </p:extLst>
+  </p:cSld>
+  <p:clrMapOvr>
+    <a:masterClrMapping/>
+  </p:clrMapOvr>
+</p:sld>
+</file>
+
+<file path=ppt/slides/slide7.xml><?xml version="1.0" encoding="utf-8"?>
+<p:sld xmlns:a="http://schemas.openxmlformats.org/drawingml/2006/main" xmlns:r="http://schemas.openxmlformats.org/officeDocument/2006/relationships" xmlns:p="http://schemas.openxmlformats.org/presentationml/2006/main">
+  <p:cSld>
+    <p:spTree>
+      <p:nvGrpSpPr>
+        <p:cNvPr id="1" name=""/>
+        <p:cNvGrpSpPr/>
+        <p:nvPr/>
+      </p:nvGrpSpPr>
+      <p:grpSpPr>
+        <a:xfrm>
+          <a:off x="0" y="0"/>
+          <a:ext cx="0" cy="0"/>
+          <a:chOff x="0" y="0"/>
+          <a:chExt cx="0" cy="0"/>
+        </a:xfrm>
+      </p:grpSpPr>
+      <p:pic>
+        <p:nvPicPr>
+          <p:cNvPr id="3" name="Imagem 2">
+            <a:extLst>
+              <a:ext uri="{FF2B5EF4-FFF2-40B4-BE49-F238E27FC236}">
+                <a16:creationId xmlns:a16="http://schemas.microsoft.com/office/drawing/2014/main" id="{D91F2D79-BD43-2D80-1606-A79934905493}"/>
+              </a:ext>
+            </a:extLst>
+          </p:cNvPr>
+          <p:cNvPicPr>
+            <a:picLocks noChangeAspect="1"/>
+          </p:cNvPicPr>
+          <p:nvPr/>
+        </p:nvPicPr>
+        <p:blipFill rotWithShape="1">
+          <a:blip r:embed="rId3"/>
+          <a:srcRect l="500" b="1468"/>
+          <a:stretch/>
+        </p:blipFill>
+        <p:spPr>
+          <a:xfrm>
+            <a:off x="804000" y="528542"/>
+            <a:ext cx="10584000" cy="5800917"/>
+          </a:xfrm>
+          <a:prstGeom prst="roundRect">
+            <a:avLst>
+              <a:gd name="adj" fmla="val 7498"/>
+            </a:avLst>
+          </a:prstGeom>
+        </p:spPr>
+      </p:pic>
+    </p:spTree>
+    <p:extLst>
+      <p:ext uri="{BB962C8B-B14F-4D97-AF65-F5344CB8AC3E}">
+        <p14:creationId xmlns:p14="http://schemas.microsoft.com/office/powerpoint/2010/main" val="2940124727"/>
+      </p:ext>
+    </p:extLst>
   </p:cSld>
   <p:clrMapOvr>
     <a:masterClrMapping/>

--- a/assets/images/images.pptx
+++ b/assets/images/images.pptx
@@ -6,16 +6,17 @@
     <p:sldMasterId id="2147483672" r:id="rId2"/>
   </p:sldMasterIdLst>
   <p:notesMasterIdLst>
-    <p:notesMasterId r:id="rId10"/>
+    <p:notesMasterId r:id="rId11"/>
   </p:notesMasterIdLst>
   <p:sldIdLst>
     <p:sldId id="257" r:id="rId3"/>
     <p:sldId id="258" r:id="rId4"/>
-    <p:sldId id="259" r:id="rId5"/>
-    <p:sldId id="262" r:id="rId6"/>
-    <p:sldId id="261" r:id="rId7"/>
-    <p:sldId id="263" r:id="rId8"/>
-    <p:sldId id="264" r:id="rId9"/>
+    <p:sldId id="265" r:id="rId5"/>
+    <p:sldId id="259" r:id="rId6"/>
+    <p:sldId id="262" r:id="rId7"/>
+    <p:sldId id="261" r:id="rId8"/>
+    <p:sldId id="263" r:id="rId9"/>
+    <p:sldId id="264" r:id="rId10"/>
   </p:sldIdLst>
   <p:sldSz cx="12192000" cy="6858000"/>
   <p:notesSz cx="6858000" cy="9144000"/>
@@ -1539,6 +1540,74 @@
           <a:p>
             <a:r>
               <a:rPr b="1" dirty="0"/>
+              <a:t>image</a:t>
+            </a:r>
+            <a:endParaRPr dirty="0"/>
+          </a:p>
+          <a:p>
+            <a:r>
+              <a:rPr b="0" dirty="0"/>
+              <a:t>No alt text provided</a:t>
+            </a:r>
+            <a:endParaRPr dirty="0"/>
+          </a:p>
+          <a:p>
+            <a:endParaRPr dirty="0"/>
+          </a:p>
+          <a:p>
+            <a:r>
+              <a:rPr b="1" dirty="0"/>
+              <a:t>Recebidas</a:t>
+            </a:r>
+            <a:endParaRPr dirty="0"/>
+          </a:p>
+          <a:p>
+            <a:r>
+              <a:rPr b="0" dirty="0"/>
+              <a:t>No alt text provided</a:t>
+            </a:r>
+            <a:endParaRPr dirty="0"/>
+          </a:p>
+          <a:p>
+            <a:endParaRPr dirty="0"/>
+          </a:p>
+          <a:p>
+            <a:r>
+              <a:rPr b="1" dirty="0"/>
+              <a:t>Retidas</a:t>
+            </a:r>
+            <a:endParaRPr dirty="0"/>
+          </a:p>
+          <a:p>
+            <a:r>
+              <a:rPr b="0" dirty="0"/>
+              <a:t>No alt text provided</a:t>
+            </a:r>
+            <a:endParaRPr dirty="0"/>
+          </a:p>
+          <a:p>
+            <a:endParaRPr dirty="0"/>
+          </a:p>
+          <a:p>
+            <a:r>
+              <a:rPr b="1" dirty="0"/>
+              <a:t>Transferidas</a:t>
+            </a:r>
+            <a:endParaRPr dirty="0"/>
+          </a:p>
+          <a:p>
+            <a:r>
+              <a:rPr b="0" dirty="0"/>
+              <a:t>No alt text provided</a:t>
+            </a:r>
+            <a:endParaRPr dirty="0"/>
+          </a:p>
+          <a:p>
+            <a:endParaRPr dirty="0"/>
+          </a:p>
+          <a:p>
+            <a:r>
+              <a:rPr b="1" dirty="0"/>
               <a:t>actionButton</a:t>
             </a:r>
             <a:endParaRPr dirty="0"/>
@@ -1556,74 +1625,6 @@
           <a:p>
             <a:r>
               <a:rPr b="1" dirty="0"/>
-              <a:t>Recebidas</a:t>
-            </a:r>
-            <a:endParaRPr dirty="0"/>
-          </a:p>
-          <a:p>
-            <a:r>
-              <a:rPr b="0" dirty="0"/>
-              <a:t>No alt text provided</a:t>
-            </a:r>
-            <a:endParaRPr dirty="0"/>
-          </a:p>
-          <a:p>
-            <a:endParaRPr dirty="0"/>
-          </a:p>
-          <a:p>
-            <a:r>
-              <a:rPr b="1" dirty="0"/>
-              <a:t>Válidas</a:t>
-            </a:r>
-            <a:endParaRPr dirty="0"/>
-          </a:p>
-          <a:p>
-            <a:r>
-              <a:rPr b="0" dirty="0"/>
-              <a:t>No alt text provided</a:t>
-            </a:r>
-            <a:endParaRPr dirty="0"/>
-          </a:p>
-          <a:p>
-            <a:endParaRPr dirty="0"/>
-          </a:p>
-          <a:p>
-            <a:r>
-              <a:rPr b="1" dirty="0"/>
-              <a:t>Retidas</a:t>
-            </a:r>
-            <a:endParaRPr dirty="0"/>
-          </a:p>
-          <a:p>
-            <a:r>
-              <a:rPr b="0" dirty="0"/>
-              <a:t>No alt text provided</a:t>
-            </a:r>
-            <a:endParaRPr dirty="0"/>
-          </a:p>
-          <a:p>
-            <a:endParaRPr dirty="0"/>
-          </a:p>
-          <a:p>
-            <a:r>
-              <a:rPr b="1" dirty="0"/>
-              <a:t>Transferidas</a:t>
-            </a:r>
-            <a:endParaRPr dirty="0"/>
-          </a:p>
-          <a:p>
-            <a:r>
-              <a:rPr b="0" dirty="0"/>
-              <a:t>No alt text provided</a:t>
-            </a:r>
-            <a:endParaRPr dirty="0"/>
-          </a:p>
-          <a:p>
-            <a:endParaRPr dirty="0"/>
-          </a:p>
-          <a:p>
-            <a:r>
-              <a:rPr b="1" dirty="0"/>
               <a:t>actionButton</a:t>
             </a:r>
             <a:endParaRPr dirty="0"/>
@@ -1658,24 +1659,41 @@
           <a:p>
             <a:r>
               <a:rPr b="1" dirty="0"/>
-              <a:t>actionButton</a:t>
-            </a:r>
-            <a:endParaRPr dirty="0"/>
-          </a:p>
-          <a:p>
-            <a:r>
-              <a:rPr b="0" dirty="0"/>
-              <a:t>No alt text provided</a:t>
-            </a:r>
-            <a:endParaRPr dirty="0"/>
-          </a:p>
-          <a:p>
-            <a:endParaRPr dirty="0"/>
-          </a:p>
-          <a:p>
-            <a:r>
-              <a:rPr b="1" dirty="0"/>
-              <a:t>actionButton</a:t>
+              <a:t>Validação Documentos</a:t>
+            </a:r>
+            <a:endParaRPr dirty="0"/>
+          </a:p>
+          <a:p>
+            <a:r>
+              <a:rPr b="0" dirty="0"/>
+              <a:t>No alt text provided</a:t>
+            </a:r>
+            <a:endParaRPr dirty="0"/>
+          </a:p>
+          <a:p>
+            <a:endParaRPr dirty="0"/>
+          </a:p>
+          <a:p>
+            <a:r>
+              <a:rPr b="1" dirty="0"/>
+              <a:t>Validação Vídeos</a:t>
+            </a:r>
+            <a:endParaRPr dirty="0"/>
+          </a:p>
+          <a:p>
+            <a:r>
+              <a:rPr b="0" dirty="0"/>
+              <a:t>No alt text provided</a:t>
+            </a:r>
+            <a:endParaRPr dirty="0"/>
+          </a:p>
+          <a:p>
+            <a:endParaRPr dirty="0"/>
+          </a:p>
+          <a:p>
+            <a:r>
+              <a:rPr b="1" dirty="0"/>
+              <a:t>Volume de Solicitações</a:t>
             </a:r>
             <a:endParaRPr dirty="0"/>
           </a:p>
@@ -1709,143 +1727,92 @@
           <a:p>
             <a:r>
               <a:rPr b="1" dirty="0"/>
-              <a:t>actionButton</a:t>
-            </a:r>
-            <a:endParaRPr dirty="0"/>
-          </a:p>
-          <a:p>
-            <a:r>
-              <a:rPr b="0" dirty="0"/>
-              <a:t>No alt text provided</a:t>
-            </a:r>
-            <a:endParaRPr dirty="0"/>
-          </a:p>
-          <a:p>
-            <a:endParaRPr dirty="0"/>
-          </a:p>
-          <a:p>
-            <a:r>
-              <a:rPr b="1" dirty="0"/>
-              <a:t>NAVEGAR PARA:</a:t>
-            </a:r>
-            <a:endParaRPr dirty="0"/>
-          </a:p>
-          <a:p>
-            <a:r>
-              <a:rPr b="0" dirty="0"/>
-              <a:t>No alt text provided</a:t>
-            </a:r>
-            <a:endParaRPr dirty="0"/>
-          </a:p>
-          <a:p>
-            <a:endParaRPr dirty="0"/>
-          </a:p>
-          <a:p>
-            <a:r>
-              <a:rPr b="1" dirty="0"/>
-              <a:t>Vendas por UF</a:t>
-            </a:r>
-            <a:endParaRPr dirty="0"/>
-          </a:p>
-          <a:p>
-            <a:r>
-              <a:rPr b="0" dirty="0"/>
-              <a:t>No alt text provided</a:t>
-            </a:r>
-            <a:endParaRPr dirty="0"/>
-          </a:p>
-          <a:p>
-            <a:endParaRPr dirty="0"/>
-          </a:p>
-          <a:p>
-            <a:r>
-              <a:rPr b="1" dirty="0"/>
-              <a:t>Árvore Hierárquica</a:t>
-            </a:r>
-            <a:endParaRPr dirty="0"/>
-          </a:p>
-          <a:p>
-            <a:r>
-              <a:rPr b="0" dirty="0"/>
-              <a:t>No alt text provided</a:t>
-            </a:r>
-            <a:endParaRPr dirty="0"/>
-          </a:p>
-          <a:p>
-            <a:endParaRPr dirty="0"/>
-          </a:p>
-          <a:p>
-            <a:r>
-              <a:rPr b="1" dirty="0"/>
-              <a:t>Tipos de Negócios</a:t>
-            </a:r>
-            <a:endParaRPr dirty="0"/>
-          </a:p>
-          <a:p>
-            <a:r>
-              <a:rPr b="0" dirty="0"/>
-              <a:t>No alt text provided</a:t>
-            </a:r>
-            <a:endParaRPr dirty="0"/>
-          </a:p>
-          <a:p>
-            <a:endParaRPr dirty="0"/>
-          </a:p>
-          <a:p>
-            <a:r>
-              <a:rPr b="1" dirty="0"/>
-              <a:t>Concorrência mais Mencionada</a:t>
-            </a:r>
-            <a:endParaRPr dirty="0"/>
-          </a:p>
-          <a:p>
-            <a:r>
-              <a:rPr b="0" dirty="0"/>
-              <a:t>No alt text provided</a:t>
-            </a:r>
-            <a:endParaRPr dirty="0"/>
-          </a:p>
-          <a:p>
-            <a:endParaRPr dirty="0"/>
-          </a:p>
-          <a:p>
-            <a:r>
-              <a:rPr b="1" dirty="0"/>
-              <a:t>Nível de Satisfação</a:t>
-            </a:r>
-            <a:endParaRPr dirty="0"/>
-          </a:p>
-          <a:p>
-            <a:r>
-              <a:rPr b="0" dirty="0"/>
-              <a:t>No alt text provided</a:t>
-            </a:r>
-            <a:endParaRPr dirty="0"/>
-          </a:p>
-          <a:p>
-            <a:endParaRPr dirty="0"/>
-          </a:p>
-          <a:p>
-            <a:r>
-              <a:rPr b="1" dirty="0"/>
-              <a:t>shape</a:t>
-            </a:r>
-            <a:endParaRPr dirty="0"/>
-          </a:p>
-          <a:p>
-            <a:r>
-              <a:rPr b="0" dirty="0"/>
-              <a:t>No alt text provided</a:t>
-            </a:r>
-            <a:endParaRPr dirty="0"/>
-          </a:p>
-          <a:p>
-            <a:endParaRPr dirty="0"/>
-          </a:p>
-          <a:p>
-            <a:r>
-              <a:rPr b="1" dirty="0"/>
-              <a:t>actionButton</a:t>
+              <a:t>Tipo de Solicitação</a:t>
+            </a:r>
+            <a:endParaRPr dirty="0"/>
+          </a:p>
+          <a:p>
+            <a:r>
+              <a:rPr b="0" dirty="0"/>
+              <a:t>No alt text provided</a:t>
+            </a:r>
+            <a:endParaRPr dirty="0"/>
+          </a:p>
+          <a:p>
+            <a:endParaRPr dirty="0"/>
+          </a:p>
+          <a:p>
+            <a:r>
+              <a:rPr b="1" dirty="0"/>
+              <a:t>Documentos Usados</a:t>
+            </a:r>
+            <a:endParaRPr dirty="0"/>
+          </a:p>
+          <a:p>
+            <a:r>
+              <a:rPr b="0" dirty="0"/>
+              <a:t>No alt text provided</a:t>
+            </a:r>
+            <a:endParaRPr dirty="0"/>
+          </a:p>
+          <a:p>
+            <a:endParaRPr dirty="0"/>
+          </a:p>
+          <a:p>
+            <a:r>
+              <a:rPr b="1" dirty="0"/>
+              <a:t>Documentos</a:t>
+            </a:r>
+            <a:endParaRPr dirty="0"/>
+          </a:p>
+          <a:p>
+            <a:r>
+              <a:rPr b="0" dirty="0"/>
+              <a:t>No alt text provided</a:t>
+            </a:r>
+            <a:endParaRPr dirty="0"/>
+          </a:p>
+          <a:p>
+            <a:endParaRPr dirty="0"/>
+          </a:p>
+          <a:p>
+            <a:r>
+              <a:rPr b="1" dirty="0"/>
+              <a:t>Vídeos</a:t>
+            </a:r>
+            <a:endParaRPr dirty="0"/>
+          </a:p>
+          <a:p>
+            <a:r>
+              <a:rPr b="0" dirty="0"/>
+              <a:t>No alt text provided</a:t>
+            </a:r>
+            <a:endParaRPr dirty="0"/>
+          </a:p>
+          <a:p>
+            <a:endParaRPr dirty="0"/>
+          </a:p>
+          <a:p>
+            <a:r>
+              <a:rPr b="1" dirty="0"/>
+              <a:t>Estados com mais  Fraudes</a:t>
+            </a:r>
+            <a:endParaRPr dirty="0"/>
+          </a:p>
+          <a:p>
+            <a:r>
+              <a:rPr b="0" dirty="0"/>
+              <a:t>No alt text provided</a:t>
+            </a:r>
+            <a:endParaRPr dirty="0"/>
+          </a:p>
+          <a:p>
+            <a:endParaRPr dirty="0"/>
+          </a:p>
+          <a:p>
+            <a:r>
+              <a:rPr b="1" dirty="0"/>
+              <a:t>Solicitações por Estado</a:t>
             </a:r>
             <a:endParaRPr dirty="0"/>
           </a:p>
@@ -1903,6 +1870,295 @@
           <a:p>
             <a:r>
               <a:rPr b="1" dirty="0"/>
+              <a:t>actionButton</a:t>
+            </a:r>
+            <a:endParaRPr dirty="0"/>
+          </a:p>
+          <a:p>
+            <a:r>
+              <a:rPr b="0" dirty="0"/>
+              <a:t>No alt text provided</a:t>
+            </a:r>
+            <a:endParaRPr dirty="0"/>
+          </a:p>
+          <a:p>
+            <a:endParaRPr dirty="0"/>
+          </a:p>
+          <a:p>
+            <a:r>
+              <a:rPr b="1" dirty="0"/>
+              <a:t>Recebidas</a:t>
+            </a:r>
+            <a:endParaRPr dirty="0"/>
+          </a:p>
+          <a:p>
+            <a:r>
+              <a:rPr b="0" dirty="0"/>
+              <a:t>No alt text provided</a:t>
+            </a:r>
+            <a:endParaRPr dirty="0"/>
+          </a:p>
+          <a:p>
+            <a:endParaRPr dirty="0"/>
+          </a:p>
+          <a:p>
+            <a:r>
+              <a:rPr b="1" dirty="0"/>
+              <a:t>Válidas</a:t>
+            </a:r>
+            <a:endParaRPr dirty="0"/>
+          </a:p>
+          <a:p>
+            <a:r>
+              <a:rPr b="0" dirty="0"/>
+              <a:t>No alt text provided</a:t>
+            </a:r>
+            <a:endParaRPr dirty="0"/>
+          </a:p>
+          <a:p>
+            <a:endParaRPr dirty="0"/>
+          </a:p>
+          <a:p>
+            <a:r>
+              <a:rPr b="1" dirty="0"/>
+              <a:t>Retidas</a:t>
+            </a:r>
+            <a:endParaRPr dirty="0"/>
+          </a:p>
+          <a:p>
+            <a:r>
+              <a:rPr b="0" dirty="0"/>
+              <a:t>No alt text provided</a:t>
+            </a:r>
+            <a:endParaRPr dirty="0"/>
+          </a:p>
+          <a:p>
+            <a:endParaRPr dirty="0"/>
+          </a:p>
+          <a:p>
+            <a:r>
+              <a:rPr b="1" dirty="0"/>
+              <a:t>Transferidas</a:t>
+            </a:r>
+            <a:endParaRPr dirty="0"/>
+          </a:p>
+          <a:p>
+            <a:r>
+              <a:rPr b="0" dirty="0"/>
+              <a:t>No alt text provided</a:t>
+            </a:r>
+            <a:endParaRPr dirty="0"/>
+          </a:p>
+          <a:p>
+            <a:endParaRPr dirty="0"/>
+          </a:p>
+          <a:p>
+            <a:r>
+              <a:rPr b="1" dirty="0"/>
+              <a:t>actionButton</a:t>
+            </a:r>
+            <a:endParaRPr dirty="0"/>
+          </a:p>
+          <a:p>
+            <a:r>
+              <a:rPr b="0" dirty="0"/>
+              <a:t>No alt text provided</a:t>
+            </a:r>
+            <a:endParaRPr dirty="0"/>
+          </a:p>
+          <a:p>
+            <a:endParaRPr dirty="0"/>
+          </a:p>
+          <a:p>
+            <a:r>
+              <a:rPr b="1" dirty="0"/>
+              <a:t>actionButton</a:t>
+            </a:r>
+            <a:endParaRPr dirty="0"/>
+          </a:p>
+          <a:p>
+            <a:r>
+              <a:rPr b="0" dirty="0"/>
+              <a:t>No alt text provided</a:t>
+            </a:r>
+            <a:endParaRPr dirty="0"/>
+          </a:p>
+          <a:p>
+            <a:endParaRPr dirty="0"/>
+          </a:p>
+          <a:p>
+            <a:r>
+              <a:rPr b="1" dirty="0"/>
+              <a:t>actionButton</a:t>
+            </a:r>
+            <a:endParaRPr dirty="0"/>
+          </a:p>
+          <a:p>
+            <a:r>
+              <a:rPr b="0" dirty="0"/>
+              <a:t>No alt text provided</a:t>
+            </a:r>
+            <a:endParaRPr dirty="0"/>
+          </a:p>
+          <a:p>
+            <a:endParaRPr dirty="0"/>
+          </a:p>
+          <a:p>
+            <a:r>
+              <a:rPr b="1" dirty="0"/>
+              <a:t>actionButton</a:t>
+            </a:r>
+            <a:endParaRPr dirty="0"/>
+          </a:p>
+          <a:p>
+            <a:r>
+              <a:rPr b="0" dirty="0"/>
+              <a:t>No alt text provided</a:t>
+            </a:r>
+            <a:endParaRPr dirty="0"/>
+          </a:p>
+          <a:p>
+            <a:endParaRPr dirty="0"/>
+          </a:p>
+          <a:p>
+            <a:r>
+              <a:rPr b="1" dirty="0"/>
+              <a:t>DATA</a:t>
+            </a:r>
+            <a:endParaRPr dirty="0"/>
+          </a:p>
+          <a:p>
+            <a:r>
+              <a:rPr b="0" dirty="0"/>
+              <a:t>No alt text provided</a:t>
+            </a:r>
+            <a:endParaRPr dirty="0"/>
+          </a:p>
+          <a:p>
+            <a:endParaRPr dirty="0"/>
+          </a:p>
+          <a:p>
+            <a:r>
+              <a:rPr b="1" dirty="0"/>
+              <a:t>actionButton</a:t>
+            </a:r>
+            <a:endParaRPr dirty="0"/>
+          </a:p>
+          <a:p>
+            <a:r>
+              <a:rPr b="0" dirty="0"/>
+              <a:t>No alt text provided</a:t>
+            </a:r>
+            <a:endParaRPr dirty="0"/>
+          </a:p>
+          <a:p>
+            <a:endParaRPr dirty="0"/>
+          </a:p>
+          <a:p>
+            <a:r>
+              <a:rPr b="1" dirty="0"/>
+              <a:t>NAVEGAR PARA:</a:t>
+            </a:r>
+            <a:endParaRPr dirty="0"/>
+          </a:p>
+          <a:p>
+            <a:r>
+              <a:rPr b="0" dirty="0"/>
+              <a:t>No alt text provided</a:t>
+            </a:r>
+            <a:endParaRPr dirty="0"/>
+          </a:p>
+          <a:p>
+            <a:endParaRPr dirty="0"/>
+          </a:p>
+          <a:p>
+            <a:r>
+              <a:rPr b="1" dirty="0"/>
+              <a:t>Vendas por UF</a:t>
+            </a:r>
+            <a:endParaRPr dirty="0"/>
+          </a:p>
+          <a:p>
+            <a:r>
+              <a:rPr b="0" dirty="0"/>
+              <a:t>No alt text provided</a:t>
+            </a:r>
+            <a:endParaRPr dirty="0"/>
+          </a:p>
+          <a:p>
+            <a:endParaRPr dirty="0"/>
+          </a:p>
+          <a:p>
+            <a:r>
+              <a:rPr b="1" dirty="0"/>
+              <a:t>Árvore Hierárquica</a:t>
+            </a:r>
+            <a:endParaRPr dirty="0"/>
+          </a:p>
+          <a:p>
+            <a:r>
+              <a:rPr b="0" dirty="0"/>
+              <a:t>No alt text provided</a:t>
+            </a:r>
+            <a:endParaRPr dirty="0"/>
+          </a:p>
+          <a:p>
+            <a:endParaRPr dirty="0"/>
+          </a:p>
+          <a:p>
+            <a:r>
+              <a:rPr b="1" dirty="0"/>
+              <a:t>Tipos de Negócios</a:t>
+            </a:r>
+            <a:endParaRPr dirty="0"/>
+          </a:p>
+          <a:p>
+            <a:r>
+              <a:rPr b="0" dirty="0"/>
+              <a:t>No alt text provided</a:t>
+            </a:r>
+            <a:endParaRPr dirty="0"/>
+          </a:p>
+          <a:p>
+            <a:endParaRPr dirty="0"/>
+          </a:p>
+          <a:p>
+            <a:r>
+              <a:rPr b="1" dirty="0"/>
+              <a:t>Concorrência mais Mencionada</a:t>
+            </a:r>
+            <a:endParaRPr dirty="0"/>
+          </a:p>
+          <a:p>
+            <a:r>
+              <a:rPr b="0" dirty="0"/>
+              <a:t>No alt text provided</a:t>
+            </a:r>
+            <a:endParaRPr dirty="0"/>
+          </a:p>
+          <a:p>
+            <a:endParaRPr dirty="0"/>
+          </a:p>
+          <a:p>
+            <a:r>
+              <a:rPr b="1" dirty="0"/>
+              <a:t>Nível de Satisfação</a:t>
+            </a:r>
+            <a:endParaRPr dirty="0"/>
+          </a:p>
+          <a:p>
+            <a:r>
+              <a:rPr b="0" dirty="0"/>
+              <a:t>No alt text provided</a:t>
+            </a:r>
+            <a:endParaRPr dirty="0"/>
+          </a:p>
+          <a:p>
+            <a:endParaRPr dirty="0"/>
+          </a:p>
+          <a:p>
+            <a:r>
+              <a:rPr b="1" dirty="0"/>
               <a:t>shape</a:t>
             </a:r>
             <a:endParaRPr dirty="0"/>
@@ -1921,295 +2177,6 @@
             <a:r>
               <a:rPr b="1" dirty="0"/>
               <a:t>actionButton</a:t>
-            </a:r>
-            <a:endParaRPr dirty="0"/>
-          </a:p>
-          <a:p>
-            <a:r>
-              <a:rPr b="0" dirty="0"/>
-              <a:t>No alt text provided</a:t>
-            </a:r>
-            <a:endParaRPr dirty="0"/>
-          </a:p>
-          <a:p>
-            <a:endParaRPr dirty="0"/>
-          </a:p>
-          <a:p>
-            <a:r>
-              <a:rPr b="1" dirty="0"/>
-              <a:t>Recebidas</a:t>
-            </a:r>
-            <a:endParaRPr dirty="0"/>
-          </a:p>
-          <a:p>
-            <a:r>
-              <a:rPr b="0" dirty="0"/>
-              <a:t>No alt text provided</a:t>
-            </a:r>
-            <a:endParaRPr dirty="0"/>
-          </a:p>
-          <a:p>
-            <a:endParaRPr dirty="0"/>
-          </a:p>
-          <a:p>
-            <a:r>
-              <a:rPr b="1" dirty="0"/>
-              <a:t>Válidas</a:t>
-            </a:r>
-            <a:endParaRPr dirty="0"/>
-          </a:p>
-          <a:p>
-            <a:r>
-              <a:rPr b="0" dirty="0"/>
-              <a:t>No alt text provided</a:t>
-            </a:r>
-            <a:endParaRPr dirty="0"/>
-          </a:p>
-          <a:p>
-            <a:endParaRPr dirty="0"/>
-          </a:p>
-          <a:p>
-            <a:r>
-              <a:rPr b="1" dirty="0"/>
-              <a:t>Retidas</a:t>
-            </a:r>
-            <a:endParaRPr dirty="0"/>
-          </a:p>
-          <a:p>
-            <a:r>
-              <a:rPr b="0" dirty="0"/>
-              <a:t>No alt text provided</a:t>
-            </a:r>
-            <a:endParaRPr dirty="0"/>
-          </a:p>
-          <a:p>
-            <a:endParaRPr dirty="0"/>
-          </a:p>
-          <a:p>
-            <a:r>
-              <a:rPr b="1" dirty="0"/>
-              <a:t>Transferidas</a:t>
-            </a:r>
-            <a:endParaRPr dirty="0"/>
-          </a:p>
-          <a:p>
-            <a:r>
-              <a:rPr b="0" dirty="0"/>
-              <a:t>No alt text provided</a:t>
-            </a:r>
-            <a:endParaRPr dirty="0"/>
-          </a:p>
-          <a:p>
-            <a:endParaRPr dirty="0"/>
-          </a:p>
-          <a:p>
-            <a:r>
-              <a:rPr b="1" dirty="0"/>
-              <a:t>actionButton</a:t>
-            </a:r>
-            <a:endParaRPr dirty="0"/>
-          </a:p>
-          <a:p>
-            <a:r>
-              <a:rPr b="0" dirty="0"/>
-              <a:t>No alt text provided</a:t>
-            </a:r>
-            <a:endParaRPr dirty="0"/>
-          </a:p>
-          <a:p>
-            <a:endParaRPr dirty="0"/>
-          </a:p>
-          <a:p>
-            <a:r>
-              <a:rPr b="1" dirty="0"/>
-              <a:t>actionButton</a:t>
-            </a:r>
-            <a:endParaRPr dirty="0"/>
-          </a:p>
-          <a:p>
-            <a:r>
-              <a:rPr b="0" dirty="0"/>
-              <a:t>No alt text provided</a:t>
-            </a:r>
-            <a:endParaRPr dirty="0"/>
-          </a:p>
-          <a:p>
-            <a:endParaRPr dirty="0"/>
-          </a:p>
-          <a:p>
-            <a:r>
-              <a:rPr b="1" dirty="0"/>
-              <a:t>actionButton</a:t>
-            </a:r>
-            <a:endParaRPr dirty="0"/>
-          </a:p>
-          <a:p>
-            <a:r>
-              <a:rPr b="0" dirty="0"/>
-              <a:t>No alt text provided</a:t>
-            </a:r>
-            <a:endParaRPr dirty="0"/>
-          </a:p>
-          <a:p>
-            <a:endParaRPr dirty="0"/>
-          </a:p>
-          <a:p>
-            <a:r>
-              <a:rPr b="1" dirty="0"/>
-              <a:t>actionButton</a:t>
-            </a:r>
-            <a:endParaRPr dirty="0"/>
-          </a:p>
-          <a:p>
-            <a:r>
-              <a:rPr b="0" dirty="0"/>
-              <a:t>No alt text provided</a:t>
-            </a:r>
-            <a:endParaRPr dirty="0"/>
-          </a:p>
-          <a:p>
-            <a:endParaRPr dirty="0"/>
-          </a:p>
-          <a:p>
-            <a:r>
-              <a:rPr b="1" dirty="0"/>
-              <a:t>actionButton</a:t>
-            </a:r>
-            <a:endParaRPr dirty="0"/>
-          </a:p>
-          <a:p>
-            <a:r>
-              <a:rPr b="0" dirty="0"/>
-              <a:t>No alt text provided</a:t>
-            </a:r>
-            <a:endParaRPr dirty="0"/>
-          </a:p>
-          <a:p>
-            <a:endParaRPr dirty="0"/>
-          </a:p>
-          <a:p>
-            <a:r>
-              <a:rPr b="1" dirty="0"/>
-              <a:t>Contatos Válidos</a:t>
-            </a:r>
-            <a:endParaRPr dirty="0"/>
-          </a:p>
-          <a:p>
-            <a:r>
-              <a:rPr b="0" dirty="0"/>
-              <a:t>No alt text provided</a:t>
-            </a:r>
-            <a:endParaRPr dirty="0"/>
-          </a:p>
-          <a:p>
-            <a:endParaRPr dirty="0"/>
-          </a:p>
-          <a:p>
-            <a:r>
-              <a:rPr b="1" dirty="0"/>
-              <a:t>DATA</a:t>
-            </a:r>
-            <a:endParaRPr dirty="0"/>
-          </a:p>
-          <a:p>
-            <a:r>
-              <a:rPr b="0" dirty="0"/>
-              <a:t>No alt text provided</a:t>
-            </a:r>
-            <a:endParaRPr dirty="0"/>
-          </a:p>
-          <a:p>
-            <a:endParaRPr dirty="0"/>
-          </a:p>
-          <a:p>
-            <a:r>
-              <a:rPr b="1" dirty="0"/>
-              <a:t>actionButton</a:t>
-            </a:r>
-            <a:endParaRPr dirty="0"/>
-          </a:p>
-          <a:p>
-            <a:r>
-              <a:rPr b="0" dirty="0"/>
-              <a:t>No alt text provided</a:t>
-            </a:r>
-            <a:endParaRPr dirty="0"/>
-          </a:p>
-          <a:p>
-            <a:endParaRPr dirty="0"/>
-          </a:p>
-          <a:p>
-            <a:r>
-              <a:rPr b="1" dirty="0"/>
-              <a:t>NAVEGAR PARA:</a:t>
-            </a:r>
-            <a:endParaRPr dirty="0"/>
-          </a:p>
-          <a:p>
-            <a:r>
-              <a:rPr b="0" dirty="0"/>
-              <a:t>No alt text provided</a:t>
-            </a:r>
-            <a:endParaRPr dirty="0"/>
-          </a:p>
-          <a:p>
-            <a:endParaRPr dirty="0"/>
-          </a:p>
-          <a:p>
-            <a:r>
-              <a:rPr b="1" dirty="0"/>
-              <a:t>Volume de Acionamentos</a:t>
-            </a:r>
-            <a:endParaRPr dirty="0"/>
-          </a:p>
-          <a:p>
-            <a:r>
-              <a:rPr b="0" dirty="0"/>
-              <a:t>No alt text provided</a:t>
-            </a:r>
-            <a:endParaRPr dirty="0"/>
-          </a:p>
-          <a:p>
-            <a:endParaRPr dirty="0"/>
-          </a:p>
-          <a:p>
-            <a:r>
-              <a:rPr b="1" dirty="0"/>
-              <a:t>Motivo do Contato</a:t>
-            </a:r>
-            <a:endParaRPr dirty="0"/>
-          </a:p>
-          <a:p>
-            <a:r>
-              <a:rPr b="0" dirty="0"/>
-              <a:t>No alt text provided</a:t>
-            </a:r>
-            <a:endParaRPr dirty="0"/>
-          </a:p>
-          <a:p>
-            <a:endParaRPr dirty="0"/>
-          </a:p>
-          <a:p>
-            <a:r>
-              <a:rPr b="1" dirty="0"/>
-              <a:t>Retidas + Transferidas por Regra</a:t>
-            </a:r>
-            <a:endParaRPr dirty="0"/>
-          </a:p>
-          <a:p>
-            <a:r>
-              <a:rPr b="0" dirty="0"/>
-              <a:t>No alt text provided</a:t>
-            </a:r>
-            <a:endParaRPr dirty="0"/>
-          </a:p>
-          <a:p>
-            <a:endParaRPr dirty="0"/>
-          </a:p>
-          <a:p>
-            <a:r>
-              <a:rPr b="1" dirty="0"/>
-              <a:t>Válidas</a:t>
             </a:r>
             <a:endParaRPr dirty="0"/>
           </a:p>
@@ -2267,6 +2234,23 @@
           <a:p>
             <a:r>
               <a:rPr b="1" dirty="0"/>
+              <a:t>shape</a:t>
+            </a:r>
+            <a:endParaRPr dirty="0"/>
+          </a:p>
+          <a:p>
+            <a:r>
+              <a:rPr b="0" dirty="0"/>
+              <a:t>No alt text provided</a:t>
+            </a:r>
+            <a:endParaRPr dirty="0"/>
+          </a:p>
+          <a:p>
+            <a:endParaRPr dirty="0"/>
+          </a:p>
+          <a:p>
+            <a:r>
+              <a:rPr b="1" dirty="0"/>
               <a:t>actionButton</a:t>
             </a:r>
             <a:endParaRPr dirty="0"/>
@@ -2284,6 +2268,74 @@
           <a:p>
             <a:r>
               <a:rPr b="1" dirty="0"/>
+              <a:t>Recebidas</a:t>
+            </a:r>
+            <a:endParaRPr dirty="0"/>
+          </a:p>
+          <a:p>
+            <a:r>
+              <a:rPr b="0" dirty="0"/>
+              <a:t>No alt text provided</a:t>
+            </a:r>
+            <a:endParaRPr dirty="0"/>
+          </a:p>
+          <a:p>
+            <a:endParaRPr dirty="0"/>
+          </a:p>
+          <a:p>
+            <a:r>
+              <a:rPr b="1" dirty="0"/>
+              <a:t>Válidas</a:t>
+            </a:r>
+            <a:endParaRPr dirty="0"/>
+          </a:p>
+          <a:p>
+            <a:r>
+              <a:rPr b="0" dirty="0"/>
+              <a:t>No alt text provided</a:t>
+            </a:r>
+            <a:endParaRPr dirty="0"/>
+          </a:p>
+          <a:p>
+            <a:endParaRPr dirty="0"/>
+          </a:p>
+          <a:p>
+            <a:r>
+              <a:rPr b="1" dirty="0"/>
+              <a:t>Retidas</a:t>
+            </a:r>
+            <a:endParaRPr dirty="0"/>
+          </a:p>
+          <a:p>
+            <a:r>
+              <a:rPr b="0" dirty="0"/>
+              <a:t>No alt text provided</a:t>
+            </a:r>
+            <a:endParaRPr dirty="0"/>
+          </a:p>
+          <a:p>
+            <a:endParaRPr dirty="0"/>
+          </a:p>
+          <a:p>
+            <a:r>
+              <a:rPr b="1" dirty="0"/>
+              <a:t>Transferidas</a:t>
+            </a:r>
+            <a:endParaRPr dirty="0"/>
+          </a:p>
+          <a:p>
+            <a:r>
+              <a:rPr b="0" dirty="0"/>
+              <a:t>No alt text provided</a:t>
+            </a:r>
+            <a:endParaRPr dirty="0"/>
+          </a:p>
+          <a:p>
+            <a:endParaRPr dirty="0"/>
+          </a:p>
+          <a:p>
+            <a:r>
+              <a:rPr b="1" dirty="0"/>
               <a:t>actionButton</a:t>
             </a:r>
             <a:endParaRPr dirty="0"/>
@@ -2301,602 +2353,194 @@
           <a:p>
             <a:r>
               <a:rPr b="1" dirty="0"/>
-              <a:t>DIA</a:t>
-            </a:r>
-            <a:endParaRPr dirty="0"/>
-          </a:p>
-          <a:p>
-            <a:r>
-              <a:rPr b="0" dirty="0"/>
-              <a:t>No alt text provided</a:t>
-            </a:r>
-            <a:endParaRPr dirty="0"/>
-          </a:p>
-          <a:p>
-            <a:endParaRPr dirty="0"/>
-          </a:p>
-          <a:p>
-            <a:r>
-              <a:rPr b="1" dirty="0"/>
-              <a:t>MÊS</a:t>
-            </a:r>
-            <a:endParaRPr dirty="0"/>
-          </a:p>
-          <a:p>
-            <a:r>
-              <a:rPr b="0" dirty="0"/>
-              <a:t>No alt text provided</a:t>
-            </a:r>
-            <a:endParaRPr dirty="0"/>
-          </a:p>
-          <a:p>
-            <a:endParaRPr dirty="0"/>
-          </a:p>
-          <a:p>
-            <a:r>
-              <a:rPr b="1" dirty="0"/>
-              <a:t>ANO</a:t>
-            </a:r>
-            <a:endParaRPr dirty="0"/>
-          </a:p>
-          <a:p>
-            <a:r>
-              <a:rPr b="0" dirty="0"/>
-              <a:t>No alt text provided</a:t>
-            </a:r>
-            <a:endParaRPr dirty="0"/>
-          </a:p>
-          <a:p>
-            <a:endParaRPr dirty="0"/>
-          </a:p>
-          <a:p>
-            <a:r>
-              <a:rPr b="1" dirty="0"/>
-              <a:t>shape</a:t>
-            </a:r>
-            <a:endParaRPr dirty="0"/>
-          </a:p>
-          <a:p>
-            <a:r>
-              <a:rPr b="0" dirty="0"/>
-              <a:t>No alt text provided</a:t>
-            </a:r>
-            <a:endParaRPr dirty="0"/>
-          </a:p>
-          <a:p>
-            <a:endParaRPr dirty="0"/>
-          </a:p>
-          <a:p>
-            <a:r>
-              <a:rPr b="1" dirty="0"/>
-              <a:t>shape</a:t>
-            </a:r>
-            <a:endParaRPr dirty="0"/>
-          </a:p>
-          <a:p>
-            <a:r>
-              <a:rPr b="0" dirty="0"/>
-              <a:t>No alt text provided</a:t>
-            </a:r>
-            <a:endParaRPr dirty="0"/>
-          </a:p>
-          <a:p>
-            <a:endParaRPr dirty="0"/>
-          </a:p>
-          <a:p>
-            <a:r>
-              <a:rPr b="1" dirty="0"/>
-              <a:t>shape</a:t>
-            </a:r>
-            <a:endParaRPr dirty="0"/>
-          </a:p>
-          <a:p>
-            <a:r>
-              <a:rPr b="0" dirty="0"/>
-              <a:t>No alt text provided</a:t>
-            </a:r>
-            <a:endParaRPr dirty="0"/>
-          </a:p>
-          <a:p>
-            <a:endParaRPr dirty="0"/>
-          </a:p>
-          <a:p>
-            <a:r>
-              <a:rPr b="1" dirty="0"/>
-              <a:t>shape</a:t>
-            </a:r>
-            <a:endParaRPr dirty="0"/>
-          </a:p>
-          <a:p>
-            <a:r>
-              <a:rPr b="0" dirty="0"/>
-              <a:t>No alt text provided</a:t>
-            </a:r>
-            <a:endParaRPr dirty="0"/>
-          </a:p>
-          <a:p>
-            <a:endParaRPr dirty="0"/>
-          </a:p>
-          <a:p>
-            <a:r>
-              <a:rPr b="1" dirty="0"/>
-              <a:t>shape</a:t>
-            </a:r>
-            <a:endParaRPr dirty="0"/>
-          </a:p>
-          <a:p>
-            <a:r>
-              <a:rPr b="0" dirty="0"/>
-              <a:t>No alt text provided</a:t>
-            </a:r>
-            <a:endParaRPr dirty="0"/>
-          </a:p>
-          <a:p>
-            <a:endParaRPr dirty="0"/>
-          </a:p>
-          <a:p>
-            <a:r>
-              <a:rPr b="1" dirty="0"/>
-              <a:t>Recebidos</a:t>
-            </a:r>
-            <a:endParaRPr dirty="0"/>
-          </a:p>
-          <a:p>
-            <a:r>
-              <a:rPr b="0" dirty="0"/>
-              <a:t>No alt text provided</a:t>
-            </a:r>
-            <a:endParaRPr dirty="0"/>
-          </a:p>
-          <a:p>
-            <a:endParaRPr dirty="0"/>
-          </a:p>
-          <a:p>
-            <a:r>
-              <a:rPr b="1" dirty="0"/>
-              <a:t>Com Interação</a:t>
-            </a:r>
-            <a:endParaRPr dirty="0"/>
-          </a:p>
-          <a:p>
-            <a:r>
-              <a:rPr b="0" dirty="0"/>
-              <a:t>No alt text provided</a:t>
-            </a:r>
-            <a:endParaRPr dirty="0"/>
-          </a:p>
-          <a:p>
-            <a:endParaRPr dirty="0"/>
-          </a:p>
-          <a:p>
-            <a:r>
-              <a:rPr b="1" dirty="0"/>
-              <a:t>Whatsapp</a:t>
-            </a:r>
-            <a:endParaRPr dirty="0"/>
-          </a:p>
-          <a:p>
-            <a:r>
-              <a:rPr b="0" dirty="0"/>
-              <a:t>No alt text provided</a:t>
-            </a:r>
-            <a:endParaRPr dirty="0"/>
-          </a:p>
-          <a:p>
-            <a:endParaRPr dirty="0"/>
-          </a:p>
-          <a:p>
-            <a:r>
-              <a:rPr b="1" dirty="0"/>
-              <a:t>E-mails</a:t>
-            </a:r>
-            <a:endParaRPr dirty="0"/>
-          </a:p>
-          <a:p>
-            <a:r>
-              <a:rPr b="0" dirty="0"/>
-              <a:t>No alt text provided</a:t>
-            </a:r>
-            <a:endParaRPr dirty="0"/>
-          </a:p>
-          <a:p>
-            <a:endParaRPr dirty="0"/>
-          </a:p>
-          <a:p>
-            <a:r>
-              <a:rPr b="1" dirty="0"/>
-              <a:t>TMA</a:t>
-            </a:r>
-            <a:endParaRPr dirty="0"/>
-          </a:p>
-          <a:p>
-            <a:r>
-              <a:rPr b="0" dirty="0"/>
-              <a:t>No alt text provided</a:t>
-            </a:r>
-            <a:endParaRPr dirty="0"/>
-          </a:p>
-          <a:p>
-            <a:endParaRPr dirty="0"/>
-          </a:p>
-          <a:p>
-            <a:r>
-              <a:rPr b="1" dirty="0"/>
-              <a:t>Atendentes</a:t>
-            </a:r>
-            <a:endParaRPr dirty="0"/>
-          </a:p>
-          <a:p>
-            <a:r>
-              <a:rPr b="0" dirty="0"/>
-              <a:t>No alt text provided</a:t>
-            </a:r>
-            <a:endParaRPr dirty="0"/>
-          </a:p>
-          <a:p>
-            <a:endParaRPr dirty="0"/>
-          </a:p>
-          <a:p>
-            <a:r>
-              <a:rPr b="1" dirty="0"/>
-              <a:t>Sac</a:t>
-            </a:r>
-            <a:endParaRPr dirty="0"/>
-          </a:p>
-          <a:p>
-            <a:r>
-              <a:rPr b="0" dirty="0"/>
-              <a:t>No alt text provided</a:t>
-            </a:r>
-            <a:endParaRPr dirty="0"/>
-          </a:p>
-          <a:p>
-            <a:endParaRPr dirty="0"/>
-          </a:p>
-          <a:p>
-            <a:r>
-              <a:rPr b="1" dirty="0"/>
-              <a:t>shape</a:t>
-            </a:r>
-            <a:endParaRPr dirty="0"/>
-          </a:p>
-          <a:p>
-            <a:r>
-              <a:rPr b="0" dirty="0"/>
-              <a:t>No alt text provided</a:t>
-            </a:r>
-            <a:endParaRPr dirty="0"/>
-          </a:p>
-          <a:p>
-            <a:endParaRPr dirty="0"/>
-          </a:p>
-          <a:p>
-            <a:r>
-              <a:rPr b="1" dirty="0"/>
-              <a:t>slicer</a:t>
-            </a:r>
-            <a:endParaRPr dirty="0"/>
-          </a:p>
-          <a:p>
-            <a:r>
-              <a:rPr b="0" dirty="0"/>
-              <a:t>No alt text provided</a:t>
-            </a:r>
-            <a:endParaRPr dirty="0"/>
-          </a:p>
-          <a:p>
-            <a:endParaRPr dirty="0"/>
-          </a:p>
-          <a:p>
-            <a:r>
-              <a:rPr b="1" dirty="0"/>
-              <a:t>Contatos por Plataforma</a:t>
-            </a:r>
-            <a:endParaRPr dirty="0"/>
-          </a:p>
-          <a:p>
-            <a:r>
-              <a:rPr b="0" dirty="0"/>
-              <a:t>No alt text provided</a:t>
-            </a:r>
-            <a:endParaRPr dirty="0"/>
-          </a:p>
-          <a:p>
-            <a:endParaRPr dirty="0"/>
-          </a:p>
-          <a:p>
-            <a:r>
-              <a:rPr b="1" dirty="0"/>
-              <a:t>Volume de Atendimentos por Plataforma</a:t>
-            </a:r>
-            <a:endParaRPr dirty="0"/>
-          </a:p>
-          <a:p>
-            <a:r>
-              <a:rPr b="0" dirty="0"/>
-              <a:t>No alt text provided</a:t>
-            </a:r>
-            <a:endParaRPr dirty="0"/>
-          </a:p>
-          <a:p>
-            <a:endParaRPr dirty="0"/>
-          </a:p>
-          <a:p>
-            <a:r>
-              <a:rPr b="1" dirty="0"/>
-              <a:t>Atendimentos</a:t>
-            </a:r>
-            <a:endParaRPr dirty="0"/>
-          </a:p>
-          <a:p>
-            <a:r>
-              <a:rPr b="0" dirty="0"/>
-              <a:t>No alt text provided</a:t>
-            </a:r>
-            <a:endParaRPr dirty="0"/>
-          </a:p>
-          <a:p>
-            <a:endParaRPr dirty="0"/>
-          </a:p>
-          <a:p>
-            <a:r>
-              <a:rPr b="1" dirty="0"/>
-              <a:t>multiRowCard</a:t>
-            </a:r>
-            <a:endParaRPr dirty="0"/>
-          </a:p>
-          <a:p>
-            <a:r>
-              <a:rPr b="0" dirty="0"/>
-              <a:t>No alt text provided</a:t>
-            </a:r>
-            <a:endParaRPr dirty="0"/>
-          </a:p>
-          <a:p>
-            <a:endParaRPr dirty="0"/>
-          </a:p>
-          <a:p>
-            <a:r>
-              <a:rPr b="1" dirty="0"/>
-              <a:t>Data</a:t>
-            </a:r>
-            <a:endParaRPr dirty="0"/>
-          </a:p>
-          <a:p>
-            <a:r>
-              <a:rPr b="0" dirty="0"/>
-              <a:t>No alt text provided</a:t>
-            </a:r>
-            <a:endParaRPr dirty="0"/>
-          </a:p>
-          <a:p>
-            <a:endParaRPr dirty="0"/>
-          </a:p>
-          <a:p>
-            <a:r>
-              <a:rPr b="1" dirty="0"/>
-              <a:t>PÁGINAS</a:t>
-            </a:r>
-            <a:endParaRPr dirty="0"/>
-          </a:p>
-          <a:p>
-            <a:r>
-              <a:rPr b="0" dirty="0"/>
-              <a:t>No alt text provided</a:t>
-            </a:r>
-            <a:endParaRPr dirty="0"/>
-          </a:p>
-          <a:p>
-            <a:endParaRPr dirty="0"/>
-          </a:p>
-          <a:p>
-            <a:r>
-              <a:rPr b="1" dirty="0"/>
-              <a:t>pageNavigator</a:t>
-            </a:r>
-            <a:endParaRPr dirty="0"/>
-          </a:p>
-          <a:p>
-            <a:r>
-              <a:rPr b="0" dirty="0"/>
-              <a:t>No alt text provided</a:t>
-            </a:r>
-            <a:endParaRPr dirty="0"/>
-          </a:p>
-          <a:p>
-            <a:endParaRPr dirty="0"/>
-          </a:p>
-          <a:p>
-            <a:r>
-              <a:rPr b="1" dirty="0"/>
-              <a:t>ICON1</a:t>
-            </a:r>
-            <a:endParaRPr dirty="0"/>
-          </a:p>
-          <a:p>
-            <a:r>
-              <a:rPr b="0" dirty="0"/>
-              <a:t>No alt text provided</a:t>
-            </a:r>
-            <a:endParaRPr dirty="0"/>
-          </a:p>
-          <a:p>
-            <a:endParaRPr dirty="0"/>
-          </a:p>
-          <a:p>
-            <a:r>
-              <a:rPr b="1" dirty="0"/>
-              <a:t>ICON2</a:t>
-            </a:r>
-            <a:endParaRPr dirty="0"/>
-          </a:p>
-          <a:p>
-            <a:r>
-              <a:rPr b="0" dirty="0"/>
-              <a:t>No alt text provided</a:t>
-            </a:r>
-            <a:endParaRPr dirty="0"/>
-          </a:p>
-          <a:p>
-            <a:endParaRPr dirty="0"/>
-          </a:p>
-          <a:p>
-            <a:r>
-              <a:rPr b="1" dirty="0"/>
-              <a:t>ICON3</a:t>
-            </a:r>
-            <a:endParaRPr dirty="0"/>
-          </a:p>
-          <a:p>
-            <a:r>
-              <a:rPr b="0" dirty="0"/>
-              <a:t>No alt text provided</a:t>
-            </a:r>
-            <a:endParaRPr dirty="0"/>
-          </a:p>
-          <a:p>
-            <a:endParaRPr dirty="0"/>
-          </a:p>
-          <a:p>
-            <a:r>
-              <a:rPr b="1" dirty="0"/>
-              <a:t>ICON4</a:t>
-            </a:r>
-            <a:endParaRPr dirty="0"/>
-          </a:p>
-          <a:p>
-            <a:r>
-              <a:rPr b="0" dirty="0"/>
-              <a:t>No alt text provided</a:t>
-            </a:r>
-            <a:endParaRPr dirty="0"/>
-          </a:p>
-          <a:p>
-            <a:endParaRPr dirty="0"/>
-          </a:p>
-          <a:p>
-            <a:r>
-              <a:rPr b="1" dirty="0"/>
-              <a:t>ICON5</a:t>
-            </a:r>
-            <a:endParaRPr dirty="0"/>
-          </a:p>
-          <a:p>
-            <a:r>
-              <a:rPr b="0" dirty="0"/>
-              <a:t>No alt text provided</a:t>
-            </a:r>
-            <a:endParaRPr dirty="0"/>
-          </a:p>
-          <a:p>
-            <a:endParaRPr dirty="0"/>
-          </a:p>
-          <a:p>
-            <a:r>
-              <a:rPr b="1" dirty="0"/>
-              <a:t>ICON6</a:t>
-            </a:r>
-            <a:endParaRPr dirty="0"/>
-          </a:p>
-          <a:p>
-            <a:r>
-              <a:rPr b="0" dirty="0"/>
-              <a:t>No alt text provided</a:t>
-            </a:r>
-            <a:endParaRPr dirty="0"/>
-          </a:p>
-          <a:p>
-            <a:endParaRPr dirty="0"/>
-          </a:p>
-          <a:p>
-            <a:r>
-              <a:rPr b="1" dirty="0"/>
-              <a:t>ICON7</a:t>
-            </a:r>
-            <a:endParaRPr dirty="0"/>
-          </a:p>
-          <a:p>
-            <a:r>
-              <a:rPr b="0" dirty="0"/>
-              <a:t>No alt text provided</a:t>
-            </a:r>
-            <a:endParaRPr dirty="0"/>
-          </a:p>
-          <a:p>
-            <a:endParaRPr dirty="0"/>
-          </a:p>
-          <a:p>
-            <a:r>
-              <a:rPr b="1" dirty="0"/>
-              <a:t>ICON8</a:t>
-            </a:r>
-            <a:endParaRPr dirty="0"/>
-          </a:p>
-          <a:p>
-            <a:r>
-              <a:rPr b="0" dirty="0"/>
-              <a:t>No alt text provided</a:t>
-            </a:r>
-            <a:endParaRPr dirty="0"/>
-          </a:p>
-          <a:p>
-            <a:endParaRPr dirty="0"/>
-          </a:p>
-          <a:p>
-            <a:r>
-              <a:rPr b="1" dirty="0"/>
-              <a:t>ICON9</a:t>
-            </a:r>
-            <a:endParaRPr dirty="0"/>
-          </a:p>
-          <a:p>
-            <a:r>
-              <a:rPr b="0" dirty="0"/>
-              <a:t>No alt text provided</a:t>
-            </a:r>
-            <a:endParaRPr dirty="0"/>
-          </a:p>
-          <a:p>
-            <a:endParaRPr dirty="0"/>
-          </a:p>
-          <a:p>
-            <a:r>
-              <a:rPr b="1" dirty="0"/>
-              <a:t>Atendimentos por Assuntos</a:t>
-            </a:r>
-            <a:endParaRPr dirty="0"/>
-          </a:p>
-          <a:p>
-            <a:r>
-              <a:rPr b="0" dirty="0"/>
-              <a:t>No alt text provided</a:t>
-            </a:r>
-            <a:endParaRPr dirty="0"/>
-          </a:p>
-          <a:p>
-            <a:endParaRPr dirty="0"/>
-          </a:p>
-          <a:p>
-            <a:r>
-              <a:rPr b="1" dirty="0"/>
-              <a:t>Messenger</a:t>
-            </a:r>
-            <a:endParaRPr dirty="0"/>
-          </a:p>
-          <a:p>
-            <a:r>
-              <a:rPr b="0" dirty="0"/>
-              <a:t>No alt text provided</a:t>
-            </a:r>
-            <a:endParaRPr dirty="0"/>
-          </a:p>
-          <a:p>
-            <a:endParaRPr dirty="0"/>
-          </a:p>
-          <a:p>
-            <a:r>
-              <a:rPr b="1" dirty="0"/>
-              <a:t>shape</a:t>
+              <a:t>actionButton</a:t>
+            </a:r>
+            <a:endParaRPr dirty="0"/>
+          </a:p>
+          <a:p>
+            <a:r>
+              <a:rPr b="0" dirty="0"/>
+              <a:t>No alt text provided</a:t>
+            </a:r>
+            <a:endParaRPr dirty="0"/>
+          </a:p>
+          <a:p>
+            <a:endParaRPr dirty="0"/>
+          </a:p>
+          <a:p>
+            <a:r>
+              <a:rPr b="1" dirty="0"/>
+              <a:t>actionButton</a:t>
+            </a:r>
+            <a:endParaRPr dirty="0"/>
+          </a:p>
+          <a:p>
+            <a:r>
+              <a:rPr b="0" dirty="0"/>
+              <a:t>No alt text provided</a:t>
+            </a:r>
+            <a:endParaRPr dirty="0"/>
+          </a:p>
+          <a:p>
+            <a:endParaRPr dirty="0"/>
+          </a:p>
+          <a:p>
+            <a:r>
+              <a:rPr b="1" dirty="0"/>
+              <a:t>actionButton</a:t>
+            </a:r>
+            <a:endParaRPr dirty="0"/>
+          </a:p>
+          <a:p>
+            <a:r>
+              <a:rPr b="0" dirty="0"/>
+              <a:t>No alt text provided</a:t>
+            </a:r>
+            <a:endParaRPr dirty="0"/>
+          </a:p>
+          <a:p>
+            <a:endParaRPr dirty="0"/>
+          </a:p>
+          <a:p>
+            <a:r>
+              <a:rPr b="1" dirty="0"/>
+              <a:t>actionButton</a:t>
+            </a:r>
+            <a:endParaRPr dirty="0"/>
+          </a:p>
+          <a:p>
+            <a:r>
+              <a:rPr b="0" dirty="0"/>
+              <a:t>No alt text provided</a:t>
+            </a:r>
+            <a:endParaRPr dirty="0"/>
+          </a:p>
+          <a:p>
+            <a:endParaRPr dirty="0"/>
+          </a:p>
+          <a:p>
+            <a:r>
+              <a:rPr b="1" dirty="0"/>
+              <a:t>Contatos Válidos</a:t>
+            </a:r>
+            <a:endParaRPr dirty="0"/>
+          </a:p>
+          <a:p>
+            <a:r>
+              <a:rPr b="0" dirty="0"/>
+              <a:t>No alt text provided</a:t>
+            </a:r>
+            <a:endParaRPr dirty="0"/>
+          </a:p>
+          <a:p>
+            <a:endParaRPr dirty="0"/>
+          </a:p>
+          <a:p>
+            <a:r>
+              <a:rPr b="1" dirty="0"/>
+              <a:t>DATA</a:t>
+            </a:r>
+            <a:endParaRPr dirty="0"/>
+          </a:p>
+          <a:p>
+            <a:r>
+              <a:rPr b="0" dirty="0"/>
+              <a:t>No alt text provided</a:t>
+            </a:r>
+            <a:endParaRPr dirty="0"/>
+          </a:p>
+          <a:p>
+            <a:endParaRPr dirty="0"/>
+          </a:p>
+          <a:p>
+            <a:r>
+              <a:rPr b="1" dirty="0"/>
+              <a:t>actionButton</a:t>
+            </a:r>
+            <a:endParaRPr dirty="0"/>
+          </a:p>
+          <a:p>
+            <a:r>
+              <a:rPr b="0" dirty="0"/>
+              <a:t>No alt text provided</a:t>
+            </a:r>
+            <a:endParaRPr dirty="0"/>
+          </a:p>
+          <a:p>
+            <a:endParaRPr dirty="0"/>
+          </a:p>
+          <a:p>
+            <a:r>
+              <a:rPr b="1" dirty="0"/>
+              <a:t>NAVEGAR PARA:</a:t>
+            </a:r>
+            <a:endParaRPr dirty="0"/>
+          </a:p>
+          <a:p>
+            <a:r>
+              <a:rPr b="0" dirty="0"/>
+              <a:t>No alt text provided</a:t>
+            </a:r>
+            <a:endParaRPr dirty="0"/>
+          </a:p>
+          <a:p>
+            <a:endParaRPr dirty="0"/>
+          </a:p>
+          <a:p>
+            <a:r>
+              <a:rPr b="1" dirty="0"/>
+              <a:t>Volume de Acionamentos</a:t>
+            </a:r>
+            <a:endParaRPr dirty="0"/>
+          </a:p>
+          <a:p>
+            <a:r>
+              <a:rPr b="0" dirty="0"/>
+              <a:t>No alt text provided</a:t>
+            </a:r>
+            <a:endParaRPr dirty="0"/>
+          </a:p>
+          <a:p>
+            <a:endParaRPr dirty="0"/>
+          </a:p>
+          <a:p>
+            <a:r>
+              <a:rPr b="1" dirty="0"/>
+              <a:t>Motivo do Contato</a:t>
+            </a:r>
+            <a:endParaRPr dirty="0"/>
+          </a:p>
+          <a:p>
+            <a:r>
+              <a:rPr b="0" dirty="0"/>
+              <a:t>No alt text provided</a:t>
+            </a:r>
+            <a:endParaRPr dirty="0"/>
+          </a:p>
+          <a:p>
+            <a:endParaRPr dirty="0"/>
+          </a:p>
+          <a:p>
+            <a:r>
+              <a:rPr b="1" dirty="0"/>
+              <a:t>Retidas + Transferidas por Regra</a:t>
+            </a:r>
+            <a:endParaRPr dirty="0"/>
+          </a:p>
+          <a:p>
+            <a:r>
+              <a:rPr b="0" dirty="0"/>
+              <a:t>No alt text provided</a:t>
+            </a:r>
+            <a:endParaRPr dirty="0"/>
+          </a:p>
+          <a:p>
+            <a:endParaRPr dirty="0"/>
+          </a:p>
+          <a:p>
+            <a:r>
+              <a:rPr b="1" dirty="0"/>
+              <a:t>Válidas</a:t>
             </a:r>
             <a:endParaRPr dirty="0"/>
           </a:p>
@@ -2939,19 +2583,7 @@
       </p:grpSpPr>
       <p:sp>
         <p:nvSpPr>
-          <p:cNvPr id="2" name="Espaço Reservado para Imagem de Slide 1"/>
-          <p:cNvSpPr>
-            <a:spLocks noGrp="1" noRot="1" noChangeAspect="1"/>
-          </p:cNvSpPr>
-          <p:nvPr>
-            <p:ph type="sldImg"/>
-          </p:nvPr>
-        </p:nvSpPr>
-        <p:spPr/>
-      </p:sp>
-      <p:sp>
-        <p:nvSpPr>
-          <p:cNvPr id="3" name="Espaço Reservado para Anotações 2"/>
+          <p:cNvPr id="2" name="Slide Text"/>
           <p:cNvSpPr>
             <a:spLocks noGrp="1"/>
           </p:cNvSpPr>
@@ -2964,39 +2596,654 @@
           <a:bodyPr/>
           <a:lstStyle/>
           <a:p>
-            <a:endParaRPr lang="pt-BR" dirty="0"/>
-          </a:p>
-        </p:txBody>
-      </p:sp>
-      <p:sp>
-        <p:nvSpPr>
-          <p:cNvPr id="4" name="Espaço Reservado para Número de Slide 3"/>
-          <p:cNvSpPr>
-            <a:spLocks noGrp="1"/>
-          </p:cNvSpPr>
-          <p:nvPr>
-            <p:ph type="sldNum" sz="quarter" idx="5"/>
-          </p:nvPr>
-        </p:nvSpPr>
-        <p:spPr/>
-        <p:txBody>
-          <a:bodyPr/>
-          <a:lstStyle/>
-          <a:p>
-            <a:fld id="{7EF65BC1-D6C2-4399-B91D-B87F49850521}" type="slidenum">
-              <a:rPr lang="pt-BR" smtClean="0"/>
-              <a:t>6</a:t>
-            </a:fld>
-            <a:endParaRPr lang="pt-BR"/>
+            <a:r>
+              <a:rPr b="1" dirty="0"/>
+              <a:t>actionButton</a:t>
+            </a:r>
+            <a:endParaRPr dirty="0"/>
+          </a:p>
+          <a:p>
+            <a:r>
+              <a:rPr b="0" dirty="0"/>
+              <a:t>No alt text provided</a:t>
+            </a:r>
+            <a:endParaRPr dirty="0"/>
+          </a:p>
+          <a:p>
+            <a:endParaRPr dirty="0"/>
+          </a:p>
+          <a:p>
+            <a:r>
+              <a:rPr b="1" dirty="0"/>
+              <a:t>actionButton</a:t>
+            </a:r>
+            <a:endParaRPr dirty="0"/>
+          </a:p>
+          <a:p>
+            <a:r>
+              <a:rPr b="0" dirty="0"/>
+              <a:t>No alt text provided</a:t>
+            </a:r>
+            <a:endParaRPr dirty="0"/>
+          </a:p>
+          <a:p>
+            <a:endParaRPr dirty="0"/>
+          </a:p>
+          <a:p>
+            <a:r>
+              <a:rPr b="1" dirty="0"/>
+              <a:t>DIA</a:t>
+            </a:r>
+            <a:endParaRPr dirty="0"/>
+          </a:p>
+          <a:p>
+            <a:r>
+              <a:rPr b="0" dirty="0"/>
+              <a:t>No alt text provided</a:t>
+            </a:r>
+            <a:endParaRPr dirty="0"/>
+          </a:p>
+          <a:p>
+            <a:endParaRPr dirty="0"/>
+          </a:p>
+          <a:p>
+            <a:r>
+              <a:rPr b="1" dirty="0"/>
+              <a:t>MÊS</a:t>
+            </a:r>
+            <a:endParaRPr dirty="0"/>
+          </a:p>
+          <a:p>
+            <a:r>
+              <a:rPr b="0" dirty="0"/>
+              <a:t>No alt text provided</a:t>
+            </a:r>
+            <a:endParaRPr dirty="0"/>
+          </a:p>
+          <a:p>
+            <a:endParaRPr dirty="0"/>
+          </a:p>
+          <a:p>
+            <a:r>
+              <a:rPr b="1" dirty="0"/>
+              <a:t>ANO</a:t>
+            </a:r>
+            <a:endParaRPr dirty="0"/>
+          </a:p>
+          <a:p>
+            <a:r>
+              <a:rPr b="0" dirty="0"/>
+              <a:t>No alt text provided</a:t>
+            </a:r>
+            <a:endParaRPr dirty="0"/>
+          </a:p>
+          <a:p>
+            <a:endParaRPr dirty="0"/>
+          </a:p>
+          <a:p>
+            <a:r>
+              <a:rPr b="1" dirty="0"/>
+              <a:t>shape</a:t>
+            </a:r>
+            <a:endParaRPr dirty="0"/>
+          </a:p>
+          <a:p>
+            <a:r>
+              <a:rPr b="0" dirty="0"/>
+              <a:t>No alt text provided</a:t>
+            </a:r>
+            <a:endParaRPr dirty="0"/>
+          </a:p>
+          <a:p>
+            <a:endParaRPr dirty="0"/>
+          </a:p>
+          <a:p>
+            <a:r>
+              <a:rPr b="1" dirty="0"/>
+              <a:t>shape</a:t>
+            </a:r>
+            <a:endParaRPr dirty="0"/>
+          </a:p>
+          <a:p>
+            <a:r>
+              <a:rPr b="0" dirty="0"/>
+              <a:t>No alt text provided</a:t>
+            </a:r>
+            <a:endParaRPr dirty="0"/>
+          </a:p>
+          <a:p>
+            <a:endParaRPr dirty="0"/>
+          </a:p>
+          <a:p>
+            <a:r>
+              <a:rPr b="1" dirty="0"/>
+              <a:t>shape</a:t>
+            </a:r>
+            <a:endParaRPr dirty="0"/>
+          </a:p>
+          <a:p>
+            <a:r>
+              <a:rPr b="0" dirty="0"/>
+              <a:t>No alt text provided</a:t>
+            </a:r>
+            <a:endParaRPr dirty="0"/>
+          </a:p>
+          <a:p>
+            <a:endParaRPr dirty="0"/>
+          </a:p>
+          <a:p>
+            <a:r>
+              <a:rPr b="1" dirty="0"/>
+              <a:t>shape</a:t>
+            </a:r>
+            <a:endParaRPr dirty="0"/>
+          </a:p>
+          <a:p>
+            <a:r>
+              <a:rPr b="0" dirty="0"/>
+              <a:t>No alt text provided</a:t>
+            </a:r>
+            <a:endParaRPr dirty="0"/>
+          </a:p>
+          <a:p>
+            <a:endParaRPr dirty="0"/>
+          </a:p>
+          <a:p>
+            <a:r>
+              <a:rPr b="1" dirty="0"/>
+              <a:t>shape</a:t>
+            </a:r>
+            <a:endParaRPr dirty="0"/>
+          </a:p>
+          <a:p>
+            <a:r>
+              <a:rPr b="0" dirty="0"/>
+              <a:t>No alt text provided</a:t>
+            </a:r>
+            <a:endParaRPr dirty="0"/>
+          </a:p>
+          <a:p>
+            <a:endParaRPr dirty="0"/>
+          </a:p>
+          <a:p>
+            <a:r>
+              <a:rPr b="1" dirty="0"/>
+              <a:t>Recebidos</a:t>
+            </a:r>
+            <a:endParaRPr dirty="0"/>
+          </a:p>
+          <a:p>
+            <a:r>
+              <a:rPr b="0" dirty="0"/>
+              <a:t>No alt text provided</a:t>
+            </a:r>
+            <a:endParaRPr dirty="0"/>
+          </a:p>
+          <a:p>
+            <a:endParaRPr dirty="0"/>
+          </a:p>
+          <a:p>
+            <a:r>
+              <a:rPr b="1" dirty="0"/>
+              <a:t>Com Interação</a:t>
+            </a:r>
+            <a:endParaRPr dirty="0"/>
+          </a:p>
+          <a:p>
+            <a:r>
+              <a:rPr b="0" dirty="0"/>
+              <a:t>No alt text provided</a:t>
+            </a:r>
+            <a:endParaRPr dirty="0"/>
+          </a:p>
+          <a:p>
+            <a:endParaRPr dirty="0"/>
+          </a:p>
+          <a:p>
+            <a:r>
+              <a:rPr b="1" dirty="0"/>
+              <a:t>Whatsapp</a:t>
+            </a:r>
+            <a:endParaRPr dirty="0"/>
+          </a:p>
+          <a:p>
+            <a:r>
+              <a:rPr b="0" dirty="0"/>
+              <a:t>No alt text provided</a:t>
+            </a:r>
+            <a:endParaRPr dirty="0"/>
+          </a:p>
+          <a:p>
+            <a:endParaRPr dirty="0"/>
+          </a:p>
+          <a:p>
+            <a:r>
+              <a:rPr b="1" dirty="0"/>
+              <a:t>E-mails</a:t>
+            </a:r>
+            <a:endParaRPr dirty="0"/>
+          </a:p>
+          <a:p>
+            <a:r>
+              <a:rPr b="0" dirty="0"/>
+              <a:t>No alt text provided</a:t>
+            </a:r>
+            <a:endParaRPr dirty="0"/>
+          </a:p>
+          <a:p>
+            <a:endParaRPr dirty="0"/>
+          </a:p>
+          <a:p>
+            <a:r>
+              <a:rPr b="1" dirty="0"/>
+              <a:t>TMA</a:t>
+            </a:r>
+            <a:endParaRPr dirty="0"/>
+          </a:p>
+          <a:p>
+            <a:r>
+              <a:rPr b="0" dirty="0"/>
+              <a:t>No alt text provided</a:t>
+            </a:r>
+            <a:endParaRPr dirty="0"/>
+          </a:p>
+          <a:p>
+            <a:endParaRPr dirty="0"/>
+          </a:p>
+          <a:p>
+            <a:r>
+              <a:rPr b="1" dirty="0"/>
+              <a:t>Atendentes</a:t>
+            </a:r>
+            <a:endParaRPr dirty="0"/>
+          </a:p>
+          <a:p>
+            <a:r>
+              <a:rPr b="0" dirty="0"/>
+              <a:t>No alt text provided</a:t>
+            </a:r>
+            <a:endParaRPr dirty="0"/>
+          </a:p>
+          <a:p>
+            <a:endParaRPr dirty="0"/>
+          </a:p>
+          <a:p>
+            <a:r>
+              <a:rPr b="1" dirty="0"/>
+              <a:t>Sac</a:t>
+            </a:r>
+            <a:endParaRPr dirty="0"/>
+          </a:p>
+          <a:p>
+            <a:r>
+              <a:rPr b="0" dirty="0"/>
+              <a:t>No alt text provided</a:t>
+            </a:r>
+            <a:endParaRPr dirty="0"/>
+          </a:p>
+          <a:p>
+            <a:endParaRPr dirty="0"/>
+          </a:p>
+          <a:p>
+            <a:r>
+              <a:rPr b="1" dirty="0"/>
+              <a:t>shape</a:t>
+            </a:r>
+            <a:endParaRPr dirty="0"/>
+          </a:p>
+          <a:p>
+            <a:r>
+              <a:rPr b="0" dirty="0"/>
+              <a:t>No alt text provided</a:t>
+            </a:r>
+            <a:endParaRPr dirty="0"/>
+          </a:p>
+          <a:p>
+            <a:endParaRPr dirty="0"/>
+          </a:p>
+          <a:p>
+            <a:r>
+              <a:rPr b="1" dirty="0"/>
+              <a:t>slicer</a:t>
+            </a:r>
+            <a:endParaRPr dirty="0"/>
+          </a:p>
+          <a:p>
+            <a:r>
+              <a:rPr b="0" dirty="0"/>
+              <a:t>No alt text provided</a:t>
+            </a:r>
+            <a:endParaRPr dirty="0"/>
+          </a:p>
+          <a:p>
+            <a:endParaRPr dirty="0"/>
+          </a:p>
+          <a:p>
+            <a:r>
+              <a:rPr b="1" dirty="0"/>
+              <a:t>Contatos por Plataforma</a:t>
+            </a:r>
+            <a:endParaRPr dirty="0"/>
+          </a:p>
+          <a:p>
+            <a:r>
+              <a:rPr b="0" dirty="0"/>
+              <a:t>No alt text provided</a:t>
+            </a:r>
+            <a:endParaRPr dirty="0"/>
+          </a:p>
+          <a:p>
+            <a:endParaRPr dirty="0"/>
+          </a:p>
+          <a:p>
+            <a:r>
+              <a:rPr b="1" dirty="0"/>
+              <a:t>Volume de Atendimentos por Plataforma</a:t>
+            </a:r>
+            <a:endParaRPr dirty="0"/>
+          </a:p>
+          <a:p>
+            <a:r>
+              <a:rPr b="0" dirty="0"/>
+              <a:t>No alt text provided</a:t>
+            </a:r>
+            <a:endParaRPr dirty="0"/>
+          </a:p>
+          <a:p>
+            <a:endParaRPr dirty="0"/>
+          </a:p>
+          <a:p>
+            <a:r>
+              <a:rPr b="1" dirty="0"/>
+              <a:t>Atendimentos</a:t>
+            </a:r>
+            <a:endParaRPr dirty="0"/>
+          </a:p>
+          <a:p>
+            <a:r>
+              <a:rPr b="0" dirty="0"/>
+              <a:t>No alt text provided</a:t>
+            </a:r>
+            <a:endParaRPr dirty="0"/>
+          </a:p>
+          <a:p>
+            <a:endParaRPr dirty="0"/>
+          </a:p>
+          <a:p>
+            <a:r>
+              <a:rPr b="1" dirty="0"/>
+              <a:t>multiRowCard</a:t>
+            </a:r>
+            <a:endParaRPr dirty="0"/>
+          </a:p>
+          <a:p>
+            <a:r>
+              <a:rPr b="0" dirty="0"/>
+              <a:t>No alt text provided</a:t>
+            </a:r>
+            <a:endParaRPr dirty="0"/>
+          </a:p>
+          <a:p>
+            <a:endParaRPr dirty="0"/>
+          </a:p>
+          <a:p>
+            <a:r>
+              <a:rPr b="1" dirty="0"/>
+              <a:t>Data</a:t>
+            </a:r>
+            <a:endParaRPr dirty="0"/>
+          </a:p>
+          <a:p>
+            <a:r>
+              <a:rPr b="0" dirty="0"/>
+              <a:t>No alt text provided</a:t>
+            </a:r>
+            <a:endParaRPr dirty="0"/>
+          </a:p>
+          <a:p>
+            <a:endParaRPr dirty="0"/>
+          </a:p>
+          <a:p>
+            <a:r>
+              <a:rPr b="1" dirty="0"/>
+              <a:t>PÁGINAS</a:t>
+            </a:r>
+            <a:endParaRPr dirty="0"/>
+          </a:p>
+          <a:p>
+            <a:r>
+              <a:rPr b="0" dirty="0"/>
+              <a:t>No alt text provided</a:t>
+            </a:r>
+            <a:endParaRPr dirty="0"/>
+          </a:p>
+          <a:p>
+            <a:endParaRPr dirty="0"/>
+          </a:p>
+          <a:p>
+            <a:r>
+              <a:rPr b="1" dirty="0"/>
+              <a:t>pageNavigator</a:t>
+            </a:r>
+            <a:endParaRPr dirty="0"/>
+          </a:p>
+          <a:p>
+            <a:r>
+              <a:rPr b="0" dirty="0"/>
+              <a:t>No alt text provided</a:t>
+            </a:r>
+            <a:endParaRPr dirty="0"/>
+          </a:p>
+          <a:p>
+            <a:endParaRPr dirty="0"/>
+          </a:p>
+          <a:p>
+            <a:r>
+              <a:rPr b="1" dirty="0"/>
+              <a:t>ICON1</a:t>
+            </a:r>
+            <a:endParaRPr dirty="0"/>
+          </a:p>
+          <a:p>
+            <a:r>
+              <a:rPr b="0" dirty="0"/>
+              <a:t>No alt text provided</a:t>
+            </a:r>
+            <a:endParaRPr dirty="0"/>
+          </a:p>
+          <a:p>
+            <a:endParaRPr dirty="0"/>
+          </a:p>
+          <a:p>
+            <a:r>
+              <a:rPr b="1" dirty="0"/>
+              <a:t>ICON2</a:t>
+            </a:r>
+            <a:endParaRPr dirty="0"/>
+          </a:p>
+          <a:p>
+            <a:r>
+              <a:rPr b="0" dirty="0"/>
+              <a:t>No alt text provided</a:t>
+            </a:r>
+            <a:endParaRPr dirty="0"/>
+          </a:p>
+          <a:p>
+            <a:endParaRPr dirty="0"/>
+          </a:p>
+          <a:p>
+            <a:r>
+              <a:rPr b="1" dirty="0"/>
+              <a:t>ICON3</a:t>
+            </a:r>
+            <a:endParaRPr dirty="0"/>
+          </a:p>
+          <a:p>
+            <a:r>
+              <a:rPr b="0" dirty="0"/>
+              <a:t>No alt text provided</a:t>
+            </a:r>
+            <a:endParaRPr dirty="0"/>
+          </a:p>
+          <a:p>
+            <a:endParaRPr dirty="0"/>
+          </a:p>
+          <a:p>
+            <a:r>
+              <a:rPr b="1" dirty="0"/>
+              <a:t>ICON4</a:t>
+            </a:r>
+            <a:endParaRPr dirty="0"/>
+          </a:p>
+          <a:p>
+            <a:r>
+              <a:rPr b="0" dirty="0"/>
+              <a:t>No alt text provided</a:t>
+            </a:r>
+            <a:endParaRPr dirty="0"/>
+          </a:p>
+          <a:p>
+            <a:endParaRPr dirty="0"/>
+          </a:p>
+          <a:p>
+            <a:r>
+              <a:rPr b="1" dirty="0"/>
+              <a:t>ICON5</a:t>
+            </a:r>
+            <a:endParaRPr dirty="0"/>
+          </a:p>
+          <a:p>
+            <a:r>
+              <a:rPr b="0" dirty="0"/>
+              <a:t>No alt text provided</a:t>
+            </a:r>
+            <a:endParaRPr dirty="0"/>
+          </a:p>
+          <a:p>
+            <a:endParaRPr dirty="0"/>
+          </a:p>
+          <a:p>
+            <a:r>
+              <a:rPr b="1" dirty="0"/>
+              <a:t>ICON6</a:t>
+            </a:r>
+            <a:endParaRPr dirty="0"/>
+          </a:p>
+          <a:p>
+            <a:r>
+              <a:rPr b="0" dirty="0"/>
+              <a:t>No alt text provided</a:t>
+            </a:r>
+            <a:endParaRPr dirty="0"/>
+          </a:p>
+          <a:p>
+            <a:endParaRPr dirty="0"/>
+          </a:p>
+          <a:p>
+            <a:r>
+              <a:rPr b="1" dirty="0"/>
+              <a:t>ICON7</a:t>
+            </a:r>
+            <a:endParaRPr dirty="0"/>
+          </a:p>
+          <a:p>
+            <a:r>
+              <a:rPr b="0" dirty="0"/>
+              <a:t>No alt text provided</a:t>
+            </a:r>
+            <a:endParaRPr dirty="0"/>
+          </a:p>
+          <a:p>
+            <a:endParaRPr dirty="0"/>
+          </a:p>
+          <a:p>
+            <a:r>
+              <a:rPr b="1" dirty="0"/>
+              <a:t>ICON8</a:t>
+            </a:r>
+            <a:endParaRPr dirty="0"/>
+          </a:p>
+          <a:p>
+            <a:r>
+              <a:rPr b="0" dirty="0"/>
+              <a:t>No alt text provided</a:t>
+            </a:r>
+            <a:endParaRPr dirty="0"/>
+          </a:p>
+          <a:p>
+            <a:endParaRPr dirty="0"/>
+          </a:p>
+          <a:p>
+            <a:r>
+              <a:rPr b="1" dirty="0"/>
+              <a:t>ICON9</a:t>
+            </a:r>
+            <a:endParaRPr dirty="0"/>
+          </a:p>
+          <a:p>
+            <a:r>
+              <a:rPr b="0" dirty="0"/>
+              <a:t>No alt text provided</a:t>
+            </a:r>
+            <a:endParaRPr dirty="0"/>
+          </a:p>
+          <a:p>
+            <a:endParaRPr dirty="0"/>
+          </a:p>
+          <a:p>
+            <a:r>
+              <a:rPr b="1" dirty="0"/>
+              <a:t>Atendimentos por Assuntos</a:t>
+            </a:r>
+            <a:endParaRPr dirty="0"/>
+          </a:p>
+          <a:p>
+            <a:r>
+              <a:rPr b="0" dirty="0"/>
+              <a:t>No alt text provided</a:t>
+            </a:r>
+            <a:endParaRPr dirty="0"/>
+          </a:p>
+          <a:p>
+            <a:endParaRPr dirty="0"/>
+          </a:p>
+          <a:p>
+            <a:r>
+              <a:rPr b="1" dirty="0"/>
+              <a:t>Messenger</a:t>
+            </a:r>
+            <a:endParaRPr dirty="0"/>
+          </a:p>
+          <a:p>
+            <a:r>
+              <a:rPr b="0" dirty="0"/>
+              <a:t>No alt text provided</a:t>
+            </a:r>
+            <a:endParaRPr dirty="0"/>
+          </a:p>
+          <a:p>
+            <a:endParaRPr dirty="0"/>
+          </a:p>
+          <a:p>
+            <a:r>
+              <a:rPr b="1" dirty="0"/>
+              <a:t>shape</a:t>
+            </a:r>
+            <a:endParaRPr dirty="0"/>
+          </a:p>
+          <a:p>
+            <a:r>
+              <a:rPr b="0" dirty="0"/>
+              <a:t>No alt text provided</a:t>
+            </a:r>
+            <a:endParaRPr dirty="0"/>
+          </a:p>
+          <a:p>
+            <a:endParaRPr dirty="0"/>
           </a:p>
         </p:txBody>
       </p:sp>
     </p:spTree>
-    <p:extLst>
-      <p:ext uri="{BB962C8B-B14F-4D97-AF65-F5344CB8AC3E}">
-        <p14:creationId xmlns:p14="http://schemas.microsoft.com/office/powerpoint/2010/main" val="3428361864"/>
-      </p:ext>
-    </p:extLst>
   </p:cSld>
   <p:clrMapOvr>
     <a:masterClrMapping/>
@@ -3070,6 +3317,90 @@
             <a:fld id="{7EF65BC1-D6C2-4399-B91D-B87F49850521}" type="slidenum">
               <a:rPr lang="pt-BR" smtClean="0"/>
               <a:t>7</a:t>
+            </a:fld>
+            <a:endParaRPr lang="pt-BR"/>
+          </a:p>
+        </p:txBody>
+      </p:sp>
+    </p:spTree>
+    <p:extLst>
+      <p:ext uri="{BB962C8B-B14F-4D97-AF65-F5344CB8AC3E}">
+        <p14:creationId xmlns:p14="http://schemas.microsoft.com/office/powerpoint/2010/main" val="3428361864"/>
+      </p:ext>
+    </p:extLst>
+  </p:cSld>
+  <p:clrMapOvr>
+    <a:masterClrMapping/>
+  </p:clrMapOvr>
+</p:notes>
+</file>
+
+<file path=ppt/notesSlides/notesSlide8.xml><?xml version="1.0" encoding="utf-8"?>
+<p:notes xmlns:a="http://schemas.openxmlformats.org/drawingml/2006/main" xmlns:r="http://schemas.openxmlformats.org/officeDocument/2006/relationships" xmlns:p="http://schemas.openxmlformats.org/presentationml/2006/main">
+  <p:cSld>
+    <p:spTree>
+      <p:nvGrpSpPr>
+        <p:cNvPr id="1" name=""/>
+        <p:cNvGrpSpPr/>
+        <p:nvPr/>
+      </p:nvGrpSpPr>
+      <p:grpSpPr>
+        <a:xfrm>
+          <a:off x="0" y="0"/>
+          <a:ext cx="0" cy="0"/>
+          <a:chOff x="0" y="0"/>
+          <a:chExt cx="0" cy="0"/>
+        </a:xfrm>
+      </p:grpSpPr>
+      <p:sp>
+        <p:nvSpPr>
+          <p:cNvPr id="2" name="Espaço Reservado para Imagem de Slide 1"/>
+          <p:cNvSpPr>
+            <a:spLocks noGrp="1" noRot="1" noChangeAspect="1"/>
+          </p:cNvSpPr>
+          <p:nvPr>
+            <p:ph type="sldImg"/>
+          </p:nvPr>
+        </p:nvSpPr>
+        <p:spPr/>
+      </p:sp>
+      <p:sp>
+        <p:nvSpPr>
+          <p:cNvPr id="3" name="Espaço Reservado para Anotações 2"/>
+          <p:cNvSpPr>
+            <a:spLocks noGrp="1"/>
+          </p:cNvSpPr>
+          <p:nvPr>
+            <p:ph type="body" idx="1"/>
+          </p:nvPr>
+        </p:nvSpPr>
+        <p:spPr/>
+        <p:txBody>
+          <a:bodyPr/>
+          <a:lstStyle/>
+          <a:p>
+            <a:endParaRPr lang="pt-BR" dirty="0"/>
+          </a:p>
+        </p:txBody>
+      </p:sp>
+      <p:sp>
+        <p:nvSpPr>
+          <p:cNvPr id="4" name="Espaço Reservado para Número de Slide 3"/>
+          <p:cNvSpPr>
+            <a:spLocks noGrp="1"/>
+          </p:cNvSpPr>
+          <p:nvPr>
+            <p:ph type="sldNum" sz="quarter" idx="5"/>
+          </p:nvPr>
+        </p:nvSpPr>
+        <p:spPr/>
+        <p:txBody>
+          <a:bodyPr/>
+          <a:lstStyle/>
+          <a:p>
+            <a:fld id="{7EF65BC1-D6C2-4399-B91D-B87F49850521}" type="slidenum">
+              <a:rPr lang="pt-BR" smtClean="0"/>
+              <a:t>8</a:t>
             </a:fld>
             <a:endParaRPr lang="pt-BR"/>
           </a:p>
@@ -11964,6 +12295,80 @@
       </p:grpSpPr>
       <p:pic>
         <p:nvPicPr>
+          <p:cNvPr id="3" name="Picture" title="This slide contains the following visuals: image ,Recebidas ,Retidas ,Transferidas ,actionButton ,actionButton ,actionButton ,Validação Documentos ,Validação Vídeos ,Volume de Solicitações ,DATA ,Tipo de Solicitação ,Documentos Usados ,Documentos ,Vídeos ,Estados com mais  Fraudes ,Solicitações por Estado. Please refer to the notes on this slide for details">
+            <a:hlinkClick r:id="rId3"/>
+          </p:cNvPr>
+          <p:cNvPicPr>
+            <a:picLocks noChangeAspect="1"/>
+          </p:cNvPicPr>
+          <p:nvPr/>
+        </p:nvPicPr>
+        <p:blipFill rotWithShape="1">
+          <a:blip r:embed="rId4"/>
+          <a:srcRect t="1758" b="1604"/>
+          <a:stretch/>
+        </p:blipFill>
+        <p:spPr>
+          <a:xfrm>
+            <a:off x="804000" y="476250"/>
+            <a:ext cx="10584000" cy="5915025"/>
+          </a:xfrm>
+          <a:prstGeom prst="roundRect">
+            <a:avLst>
+              <a:gd name="adj" fmla="val 4912"/>
+            </a:avLst>
+          </a:prstGeom>
+          <a:noFill/>
+        </p:spPr>
+      </p:pic>
+      <p:sp>
+        <p:nvSpPr>
+          <p:cNvPr id="4" name="Title" hidden="1"/>
+          <p:cNvSpPr>
+            <a:spLocks noGrp="1"/>
+          </p:cNvSpPr>
+          <p:nvPr>
+            <p:ph type="title"/>
+          </p:nvPr>
+        </p:nvSpPr>
+        <p:spPr/>
+        <p:txBody>
+          <a:bodyPr/>
+          <a:lstStyle/>
+          <a:p>
+            <a:r>
+              <a:t>Início</a:t>
+            </a:r>
+          </a:p>
+        </p:txBody>
+      </p:sp>
+    </p:spTree>
+  </p:cSld>
+  <p:clrMapOvr>
+    <a:masterClrMapping/>
+  </p:clrMapOvr>
+</p:sld>
+</file>
+
+<file path=ppt/slides/slide4.xml><?xml version="1.0" encoding="utf-8"?>
+<p:sld xmlns:a="http://schemas.openxmlformats.org/drawingml/2006/main" xmlns:r="http://schemas.openxmlformats.org/officeDocument/2006/relationships" xmlns:p="http://schemas.openxmlformats.org/presentationml/2006/main">
+  <p:cSld>
+    <p:spTree>
+      <p:nvGrpSpPr>
+        <p:cNvPr id="1" name=""/>
+        <p:cNvGrpSpPr/>
+        <p:nvPr/>
+      </p:nvGrpSpPr>
+      <p:grpSpPr>
+        <a:xfrm>
+          <a:off x="0" y="0"/>
+          <a:ext cx="0" cy="0"/>
+          <a:chOff x="0" y="0"/>
+          <a:chExt cx="0" cy="0"/>
+        </a:xfrm>
+      </p:grpSpPr>
+      <p:pic>
+        <p:nvPicPr>
           <p:cNvPr id="3" name="Picture" title="This slide contains the following visuals: actionButton ,Recebidas ,Válidas ,Retidas ,Transferidas ,actionButton ,actionButton ,actionButton ,actionButton ,DATA ,actionButton ,NAVEGAR PARA: ,Vendas por UF ,Árvore Hierárquica ,Tipos de Negócios ,Concorrência mais Mencionada ,Nível de Satisfação ,shape ,actionButton. Please refer to the notes on this slide for details">
             <a:hlinkClick r:id="rId3"/>
           </p:cNvPr>
@@ -12019,7 +12424,7 @@
 </p:sld>
 </file>
 
-<file path=ppt/slides/slide4.xml><?xml version="1.0" encoding="utf-8"?>
+<file path=ppt/slides/slide5.xml><?xml version="1.0" encoding="utf-8"?>
 <p:sld xmlns:a="http://schemas.openxmlformats.org/drawingml/2006/main" xmlns:r="http://schemas.openxmlformats.org/officeDocument/2006/relationships" xmlns:p="http://schemas.openxmlformats.org/presentationml/2006/main">
   <p:cSld>
     <p:spTree>
@@ -12093,7 +12498,7 @@
 </p:sld>
 </file>
 
-<file path=ppt/slides/slide5.xml><?xml version="1.0" encoding="utf-8"?>
+<file path=ppt/slides/slide6.xml><?xml version="1.0" encoding="utf-8"?>
 <p:sld xmlns:a="http://schemas.openxmlformats.org/drawingml/2006/main" xmlns:r="http://schemas.openxmlformats.org/officeDocument/2006/relationships" xmlns:p="http://schemas.openxmlformats.org/presentationml/2006/main">
   <p:cSld>
     <p:spTree>
@@ -12167,7 +12572,7 @@
 </p:sld>
 </file>
 
-<file path=ppt/slides/slide6.xml><?xml version="1.0" encoding="utf-8"?>
+<file path=ppt/slides/slide7.xml><?xml version="1.0" encoding="utf-8"?>
 <p:sld xmlns:a="http://schemas.openxmlformats.org/drawingml/2006/main" xmlns:r="http://schemas.openxmlformats.org/officeDocument/2006/relationships" xmlns:p="http://schemas.openxmlformats.org/presentationml/2006/main">
   <p:cSld>
     <p:spTree>
@@ -12228,7 +12633,7 @@
 </p:sld>
 </file>
 
-<file path=ppt/slides/slide7.xml><?xml version="1.0" encoding="utf-8"?>
+<file path=ppt/slides/slide8.xml><?xml version="1.0" encoding="utf-8"?>
 <p:sld xmlns:a="http://schemas.openxmlformats.org/drawingml/2006/main" xmlns:r="http://schemas.openxmlformats.org/officeDocument/2006/relationships" xmlns:p="http://schemas.openxmlformats.org/presentationml/2006/main">
   <p:cSld>
     <p:spTree>
